--- a/lecture-slides_upload/lecture/07_Statistical Methods_Mediation and Moderation.pptx
+++ b/lecture-slides_upload/lecture/07_Statistical Methods_Mediation and Moderation.pptx
@@ -5,7 +5,7 @@
     <p:sldMasterId id="2147483648" r:id="rId1"/>
   </p:sldMasterIdLst>
   <p:notesMasterIdLst>
-    <p:notesMasterId r:id="rId30"/>
+    <p:notesMasterId r:id="rId28"/>
   </p:notesMasterIdLst>
   <p:sldIdLst>
     <p:sldId id="257" r:id="rId2"/>
@@ -22,20 +22,18 @@
     <p:sldId id="289" r:id="rId13"/>
     <p:sldId id="290" r:id="rId14"/>
     <p:sldId id="291" r:id="rId15"/>
-    <p:sldId id="286" r:id="rId16"/>
-    <p:sldId id="287" r:id="rId17"/>
-    <p:sldId id="288" r:id="rId18"/>
-    <p:sldId id="273" r:id="rId19"/>
-    <p:sldId id="279" r:id="rId20"/>
-    <p:sldId id="280" r:id="rId21"/>
-    <p:sldId id="274" r:id="rId22"/>
-    <p:sldId id="282" r:id="rId23"/>
-    <p:sldId id="283" r:id="rId24"/>
-    <p:sldId id="284" r:id="rId25"/>
-    <p:sldId id="285" r:id="rId26"/>
-    <p:sldId id="275" r:id="rId27"/>
-    <p:sldId id="276" r:id="rId28"/>
-    <p:sldId id="281" r:id="rId29"/>
+    <p:sldId id="273" r:id="rId16"/>
+    <p:sldId id="279" r:id="rId17"/>
+    <p:sldId id="280" r:id="rId18"/>
+    <p:sldId id="274" r:id="rId19"/>
+    <p:sldId id="282" r:id="rId20"/>
+    <p:sldId id="283" r:id="rId21"/>
+    <p:sldId id="284" r:id="rId22"/>
+    <p:sldId id="285" r:id="rId23"/>
+    <p:sldId id="275" r:id="rId24"/>
+    <p:sldId id="276" r:id="rId25"/>
+    <p:sldId id="281" r:id="rId26"/>
+    <p:sldId id="292" r:id="rId27"/>
   </p:sldIdLst>
   <p:sldSz cx="12192000" cy="6858000"/>
   <p:notesSz cx="6858000" cy="9144000"/>
@@ -154,6 +152,242 @@
 </p:cmAuthorLst>
 </file>
 
+<file path=ppt/ink/ink1.xml><?xml version="1.0" encoding="utf-8"?>
+<inkml:ink xmlns:inkml="http://www.w3.org/2003/InkML">
+  <inkml:definitions>
+    <inkml:context xml:id="ctx0">
+      <inkml:inkSource xml:id="inkSrc0">
+        <inkml:traceFormat>
+          <inkml:channel name="X" type="integer" min="-2.14748E9" max="2.14748E9" units="cm"/>
+          <inkml:channel name="Y" type="integer" min="-2.14748E9" max="2.14748E9" units="cm"/>
+          <inkml:channel name="F" type="integer" max="32767" units="dev"/>
+        </inkml:traceFormat>
+        <inkml:channelProperties>
+          <inkml:channelProperty channel="X" name="resolution" value="1000" units="1/cm"/>
+          <inkml:channelProperty channel="Y" name="resolution" value="1000" units="1/cm"/>
+          <inkml:channelProperty channel="F" name="resolution" value="0" units="1/dev"/>
+        </inkml:channelProperties>
+      </inkml:inkSource>
+      <inkml:timestamp xml:id="ts0" timeString="2024-02-29T17:20:11.119"/>
+    </inkml:context>
+    <inkml:brush xml:id="br0">
+      <inkml:brushProperty name="width" value="0.05292" units="cm"/>
+      <inkml:brushProperty name="height" value="0.05292" units="cm"/>
+      <inkml:brushProperty name="color" value="#FF0000"/>
+    </inkml:brush>
+  </inkml:definitions>
+  <inkml:trace contextRef="#ctx0" brushRef="#br0">22631 15470 24575,'19'0'0,"-3"0"0,-8 0 0,9 0 0,3 0 0,13 0 0,3 0 0,-7 0 0,12 0 0,-29 0 0,14 0 0,3 0 0,4 0 0,-7 0 0,1 0 0,14 0 0,-5 0 0,9 0 0,-8 0 0,-12 0 0,-17 0 0,-8 0 0,16 0 0,-12 0 0,11 0 0,-15 0 0,0 0 0,0-16 0,0 12 0,0-12 0</inkml:trace>
+  <inkml:trace contextRef="#ctx0" brushRef="#br0" timeOffset="5654">18450 15575 24575,'38'0'0,"1"0"0,-4 0 0,1 0 0,-1 0 0,-14 0 0,4 0 0,1 0 0,11 0 0,-1 0 0,-19 0 0,-9 0 0,8 0 0,-12 0 0,11 0 0,-15 0 0,0 0 0,8 0 0,-6 0 0,6 0 0,-8 0 0,0 0 0,16 0 0,-12 0 0,11 0 0,-7 0 0,-6 0 0,6 0 0,-8 0 0,0 0 0,0 0 0</inkml:trace>
+  <inkml:trace contextRef="#ctx0" brushRef="#br0" timeOffset="8006">14217 15628 24575,'36'0'0,"0"0"0,-9 0 0,-1 0 0,15 0 0,-1 0 0,5 0 0,-10 0 0,-2 0 0,-7 0 0,-3 0 0,-19 0 0,12 0 0,-16 0 0,0 0 0,0 16 0,8-12 0,-6 12 0,6-16 0,-8 0 0,0 0 0,15 0 0,-11 0 0,12 0 0,-8 0 0,-6 0 0,6 0 0,7 0 0,-11 0 0,12 0 0,-16 0 0,0 0 0</inkml:trace>
+</inkml:ink>
+</file>
+
+<file path=ppt/ink/ink2.xml><?xml version="1.0" encoding="utf-8"?>
+<inkml:ink xmlns:inkml="http://www.w3.org/2003/InkML">
+  <inkml:definitions>
+    <inkml:context xml:id="ctx0">
+      <inkml:inkSource xml:id="inkSrc0">
+        <inkml:traceFormat>
+          <inkml:channel name="X" type="integer" min="-2.14748E9" max="2.14748E9" units="cm"/>
+          <inkml:channel name="Y" type="integer" min="-2.14748E9" max="2.14748E9" units="cm"/>
+          <inkml:channel name="F" type="integer" max="32767" units="dev"/>
+        </inkml:traceFormat>
+        <inkml:channelProperties>
+          <inkml:channelProperty channel="X" name="resolution" value="1000" units="1/cm"/>
+          <inkml:channelProperty channel="Y" name="resolution" value="1000" units="1/cm"/>
+          <inkml:channelProperty channel="F" name="resolution" value="0" units="1/dev"/>
+        </inkml:channelProperties>
+      </inkml:inkSource>
+      <inkml:timestamp xml:id="ts0" timeString="2024-02-29T17:26:13.631"/>
+    </inkml:context>
+    <inkml:brush xml:id="br0">
+      <inkml:brushProperty name="width" value="0.05292" units="cm"/>
+      <inkml:brushProperty name="height" value="0.05292" units="cm"/>
+      <inkml:brushProperty name="color" value="#FF0000"/>
+    </inkml:brush>
+  </inkml:definitions>
+  <inkml:trace contextRef="#ctx0" brushRef="#br0">11201 4551 24575,'19'0'0,"20"0"0,-17 0 0,6 0 0,3 0-2809,16 0 2809,-5 0 0,9 0 0,-5 0-1175,-7 0 0,2 0 1175,-2 0 0,6 0 0,4 0 0,-3 0 0,-5 0-635,-5 0 1,-4 0 0,6 0 634,1 0 0,8 0 0,3 0 0,1 0 0,-3 0 0,-5 0-1093,8 0 1,-5 0 0,6 0 925,-11 0 0,5 0 0,3 0 0,1 0 1,1 0-1,-3 0 0,-4 0-336,1 0 1,-3 0-1,-2 0 1,1 0-1,3 0 503,0 0 0,3 0 0,1 0 0,-1 0 0,0 0 0,-2 0-202,0 0 0,-2 0 1,0 0-1,0 0 1,3 0 201,1 0 0,4 0 0,1 0 0,-1 0 0,-2 0 0,-3 0 0,0 0 0,-3 0 0,-1 0 0,5 0 0,-6 0 0,5 0 0,2 0 0,0 0 0,-1 0 0,-4 0 0,-6 0 0,4 0 0,-6 0 0,4 0 0,4 0 0,4 1 0,3-1 0,0 0 0,-3-1-196,-4 0 1,0-1 0,-2 0 0,0 1 0,-1-1 195,3 2 0,-3 0 0,2 0 0,2-2 0,-3-1 0,4-1 0,2-2 0,-1 0 0,-4 0 0,-7 0 703,11-5 1,-1 0-704,-7 5 0,6-1 0,3 0 0,-2 0 0,-6-1 0,-3-3 0,-5-1 0,4 2 0,10 4 0,6 2 0,0 1 0,-8-4 0,-1-9 0,1-1 0,-1 10 0,8 3 0,0 0 0,-6-1 0,-1-3 0,0-1 0,-3 2 0,6 1 0,2 0 0,0 1 0,-7 2 0,2 1 0,0 0 0,-1 0 0,-3-1 447,10-2 1,-2-1 0,4 0-448,-10 2 0,6-1 0,1 1 0,0 0 0,-3 0 0,-7 1 0,11 1 0,0 0 0,-8 0 0,7-1 0,2 0 0,-1 0 0,-8-1 0,8-5 0,0 2 0,-9 5 0,6 2 0,2 0 0,-2 0 0,-7-2 0,6-6 0,-1 0 0,-7 7 0,8 0 0,2 2 0,-3 0 0,-6-1 0,6 0 0,0 0 0,-8 0 0,4 0 0,2 0 0,2 0 0,-2 0-123,0 0 0,1 0 1,0 0-1,-1 0 0,0 0 123,4 0 0,-1 0 0,2 0 0,3 0 0,-7 0 0,5-1 0,3 1 0,0-1 0,-2 1 0,-3 1 0,-7 0 260,6 4 0,-7 0 1,5 1-261,0-2 0,5 0 0,2 0 0,-1-1 0,-4 2 0,-6-1 0,-3 2 0,0-1 0,4-1 0,0 0 0,3-1 0,2 0 0,1-1 0,-1 0 0,-3 0 0,6-1 0,-3-1 0,1-1 0,5 1 0,-8 0 0,5 0 0,2 0 0,1 0 0,-2 0 0,-4 0 0,-6 0 0,4 0 0,-6 0 0,6 0 0,-6 0 0,5 0 0,4 0 0,3 0 0,0 0 0,0 0 0,-2 0 0,-3 0-295,1 0 0,-2 0 1,-2 1-1,0-1 1,1 0-1,1-1 295,4-1 0,1 0 0,1-1 0,0 0 0,0 0 0,1 0 0,-5 1 0,2-1 0,0 1 0,0-1 0,-2 0 0,-4 0 0,-4 0-99,8-4 1,-6 1 0,5-1 98,-4 3 0,7 0 0,2 0 0,0 1 0,-3-1 0,-7 0 0,0-2 0,-6-1 0,5 2 0,6 2 0,8 1 0,1 1 0,-2-1 0,-8-2 0,-8-3 0,-6-2 0,5 2 0,7 4 0,7 2 0,2 2 0,-2 0 0,-6-1 0,-2-3 0,-5 0 0,4 1 0,0 1 0,4 1 0,2 0 0,0 1 0,-1-1 230,-4 0 0,0 0 1,-1 0-1,2 0 0,3 0-230,3 0 0,3 0 0,2 0 0,0 0 0,-1 0 0,-4 0 51,-3-1 0,-3 1 0,-1-1 1,1 1-1,1 2-51,2 1 0,4 1 0,0 2 0,-1 0 0,-4 0 0,-6 0 0,10 4 0,-2 4 0,-4 2 0,5 4 0,0 1 0,-5-4 0,5 0 0,-2 0 0,-5 1 0,5 4 0,-1 1 0,-4-6 0,6-4 0,0-1 0,-2 6 0,6 4 0,-1 1 0,-6-5 0,1-5 0,1-1 0,-8 1 0,7 2 0,1 2 0,-1-2 0,-7-2 0,4-1 0,0-1 0,-3 1 0,8 3 0,2 1 0,-2-1 0,-7 0 0,6 5 0,0 1 0,-2-5 0,6 1 0,0 1 0,-6-1 0,-11 1 0,-4 0 0,3-1 405,4-3 0,3-2 0,1 1 0,-4 1-405,1 8 0,-3 1 0,3 1 0,4-4 0,5 1 0,-2-1 0,-6-1 0,-1 6 0,-1 1 0,-1-4 0,6 2 0,-2 1 0,-5-2 0,-4 7 0,-3-1 0,-2-5 0,1 1 0,1 1 0,3 1 0,0 2 0,-4-3 0,-6-2 0,-2-1 0,9 7 0,1 1 0,-8-6 0,-3 3 0,-8 17 0,-2 2 0,7-20 0,-1 1 0,-8 8 0,-4 5 0,1-5 0,4-10 0,0-1 0,-3 23 0,-2 4 871,-2-3 0,-2 0-871,0-12 0,-1 0 0,0-1 0,-2 14 0,-4-2-291,-6-13 0,-3-1 1,3-3 290,10-5 0,-1-1 0,-16 2 0,-6 2 0,8-3 2546,13 13-2546,-21-5 0,0-1 0,17 6 0,-9-9 0,-3-1 0,-3 8 0,0-11 0,-1-1 0,-9 5 0,1-6 0,1 1 1767,4 4-1767,0-12 0,-6 1 0,7-2 0,0 5 0,1-9 0,-7-2 0,4 0-286,6-1 0,-1-1 286,-15 2 0,-8-1 0,5 0 0,5 1 0,-3-1 0,9-4 0,-7-1 0,-2-1 0,0-1 0,5 0 0,-8-1 0,4-1 0,-1-1 586,7 1 0,-1 0 0,0 0 0,0 0-586,-5 0 0,-1 0 0,1 0 0,6 0 0,1 0 0,0 0 0,-4 0 0,-8 0 0,1 0 0,5 0 0,1 1 0,-2-2 0,7 0 0,-8-2 0,-1 0 0,1-1 0,7-1-1037,-11-3 1,0-3 1036,10 3 0,-6 0 0,-1-1 0,1 0 0,6 0 0,4-1 0,3 0 0,-3 0 0,-4 2 0,-6-1 0,-1 1 0,1-1 0,6 2-1128,-9-3 0,-2 1 1128,13 2 0,-6 0 0,-5-1 0,0 1 0,1 0 0,4 1 0,-5 2 0,2 1 0,1 0 0,-2 0 0,0-2 0,-1 1 0,-1-2 0,0 2 0,1-1 0,1 1 0,-1 1 0,1 0 0,2 0 0,4 1 0,-2 0 0,3 1 0,-2 0 0,-5-3 0,-4-1 0,2 1 0,6 1 0,0 3 0,1 0 0,4-2 0,-6 0 0,1 0 0,6 0 0,0 1 0,1 0 0,0-1 0,-6 0 0,0 0 0,5 0 0,0 2 0,0 0 0,-3 0 0,-6 0 0,0 0 0,7 0 0,5 1 0,0-2 0,-5-2 0,-6-1 0,-2-1 0,7 2 0,-1 1 0,0 0 0,-1-3 0,-7-2 0,0 0 0,7 2 0,-1 4 0,0 0 0,5-2 0,-7-2 0,-2-1 0,3 0 0,8 3 0,2 1 0,1 0 0,-11-2 0,-5-2 0,5 0 505,9-2 1,1 0-506,-14 3 0,-2-1 0,3-11 0,0 0 0,-1 11 0,2 1 839,19-4 1,1 2-840,0 6 0,1 2 0,-12-1 0,0 0 0,0 0 0,1 0 0,-12 0 0,0 0 1551,13 0-1551,-2-1 0,-8 0 0,6 3 0,14 5 0,1 2 0,-15-6 0,-5-1 0,5 4 0,9 10 0,1 2 0,-16-4 0,-4-1 0,14-4 0,0 0 0,1 1 0,-5 7 0,0-1 0,1-9 0,-3-2 0,4 2 0,8 10 0,0 0 0,-4-10 0,-2-2 0,3 2 0,2 10 0,1 0 0,-3-10 0,-3-2 0,2 2 0,0 10 0,-1 0 0,1-10 0,-4-3 0,5 4 0,7 8 0,-1 2 0,-17-6 0,-7-2 0,8 3 0,20 5 0,-1 1 0,-9-5 0,-8-1 0,-1 0 0,9-2 0,-13 11 0,5-4 0,-7 3 0,5-6 1292,13-11 1,1 0-1293,-4 10 0,-3 5 0,2-5 0,-2-8 0,1 0 0,2 10 0,-1 1 0,-8-7 0,-4 0 0,11 3 0,-2 1 0,2 0 0,-4 1 0,-2 0 0,-4 1 0,-5 2 0,3-1 0,10-5 0,2 1 0,0-1 0,3 0 0,0-1 0,-1 1 0,-13 3 0,-4-1 0,8-2 0,12-5 0,1 0 0,-12 7 0,-5 4 0,4-3 0,8-4 0,0-1 0,-1 1 0,-2 1 0,6 1 0,8 4 0,1-1 0,-12-8 0,-5-4 0,5 4 0,10 8 0,1 1 0,-10-7 0,-6-2 0,0 1-1093,-3 5 1,0 2 0,1-2-121,-5-3 0,-2-1 1213,-1-1 0,-4 0 0,5-3-501,9-6 1,0 0 500,-6 2 0,-3 1 0,3-1 0,4-1 0,-1 0 0,3 1 0,-5 1 0,0-1 0,5-1 0,-4 0 0,-1-2 0,3 1 0,-6 0 0,-1 0 0,6 0-382,-8 0 1,0 0 381,6 0 0,-5 0 0,0 0 0,5 0-245,8 0 0,3 0 0,-3 0 245,-4 0 0,-6 0 0,-2 0 0,3 0 0,5 0 0,-10 0 0,0 0 0,8 0 0,-7-1 0,-2 0 0,3 1 0,6 2 1181,-9 6 1,2 0-1182,8-6 0,-3-3 0,0 1 0,2 3 0,2 4 0,2 2 0,0-2 0,-7-5 0,-1-3 0,0 2 0,-1 6 0,-1 1 0,-3 1 0,12-4 0,-3 1 0,-1-1 0,0 1 0,1-1 0,-4 2 0,0 1 0,1-1 0,0 1 0,3-2 0,1 1 0,-1-1 0,0 0 0,-5 0 0,-2 1 0,3-2 0,6 1 0,5-1 0,-1 1 0,-5 2 0,-9 1 0,1 0 0,7-1 0,7-2 0,-1 0 0,-7 1 0,-8 2 0,-1 0 0,8-3 0,8-4 0,0 0 0,-5 3 0,-6 2 0,0 0 0,7-3 0,7-2 0,0-2 0,-8 2 0,-6 1 0,-2-1 0,3-1-87,2-2 1,3-1-1,-4-3 87,3 0 0,-4-2 0,-1-2 0,-1-1 0,2 0 0,1-1 0,0-1 0,1-2 0,1 1 0,2-2 0,0 0 0,3-2 0,0 0 0,-2 0 0,-2 1 0,-3 0 0,-1 0 0,3-1 0,4 0 0,-1-10 0,5-1 0,-3 4 0,-6 8 0,-2 4 0,0-5 0,8-6 0,0-5 0,0 0 0,1 5 0,-5 7 0,1 4 0,0-3 0,-1-9 0,1-3 0,-1 0 0,6 7 0,-2 0 0,1 1 0,5 1 0,-4-6 0,1-1 0,-4 2 0,-4 0 0,5 3 0,7 5 0,-1 0 0,-3 0 0,-7-3 0,0 1 0,4 2 0,-3 3 0,2-1 0,2-5 0,-2-2 0,0 1 0,3 7 0,0 2 0,1-3 178,5-5 0,2-3 1,-3-1-179,-5 1 0,-3-1 0,-1-1 0,2 1 0,-2-3 0,2-1 0,1 0 0,4 1 0,0-1 0,2 1 0,-10-5 0,6 1 0,17 10 0,0-1 0,-11-5 0,0-1 0,9 3 0,2 3 0,-12-2 556,2 2 0,-6-5 0,5 0-556,4-4 0,1-1 0,-2 6 0,-5-2 0,0-1 0,7-2 0,6-5 0,6-1 0,-2-2 658,-9-4 1,-1-1-1,3-4-658,10 5 0,3-4 0,1 0 0,0 2-820,-3 2 1,-1 1 0,1 0 0,1 0 561,1-10 1,1 1 0,2-1 257,1 10 0,1-1 0,0 2 0,1 4 136,1 1 1,0 0-137,0-10 0,0-5 0,0 2 0,0-1 0,0-2 0,1 2 0,1-3 0,3 1-1093,2 11 1,3 1 0,-2 0 1035,-4 0 1,-2 1 0,6 2 56,9 5 0,5 3 0,2 2 66,10-5 0,4 1-66,-4-2 0,3-3 0,2 5 0,2 7 0,1 5 0,-2-1 0,-9 0 0,-2 1 0,2 1 0,4 3 0,1 2 0,0 2 0,10-2 0,0 2 0,-3 2 0,2 1 0,-1 2 0,-7 1 0,0 1 0,-2-1 0,1-2 0,-2-1 0,0 1 0,14 4 0,-2-2 0,-13-4 0,-1-1 0,1 0 0,5 1 0,1 1 0,0 1 0,0 1 0,1 1 0,-3-2 1638,5-7 0,-2 1-1098,0 9 1,-6 2-541,-12-8 0,17 8 677,-27-16-677,29 12 1638,-16-3 0,3-1-302,10 3 1,4 2-1337,1-3 0,4 0 0,1 0-1093,0 2 1,2 0 0,-1 0 156,-3-1 0,-1 0 0,1 0 936,1-1 0,0 0 0,0 2-380,-4 2 0,0 2 0,2-2 380,-4-1 0,1-2 0,2 1 0,0 0 0,4 3 0,1 2 0,1 0 0,-1-2-374,-4 0 0,0-1 1,0-1-1,-2 2 374,8 0 0,-1 1 0,-2-1 0,-8-2 0,-3 0 0,0 1-1639,8 1 1,-2 2 1444,-10-1 1,-3 0 3469,13 0-2888,-26 0 616,7 0-1004,-20 0 1631,11 0-1631,-7 0 3276,10 0 0,-6 0-3044,11 8-232,-5 9 0,-6-5 0,11 4 0,-21-16 0,6 0 0,-8 0 0</inkml:trace>
+  <inkml:trace contextRef="#ctx0" brushRef="#br0" timeOffset="9691">17498 15381 24575,'0'-25'0,"0"-10"0,7 9 0,1-1 0,-6-5 0,0 1 0,22-8 0,-22 0 0,6 37 0,7-22 0,-11 20 0,12-11 0,-16 15 0,0 0 0,8 0 0,-6-8 0,21-10 0,-3 6 0,7-11 0,7 21 0,-23-6 0,13 8 0,-6-16 0,-7 12 0,5-11 0,-16 15 0,8 0 0,-6 0 0,29 0 0,-9 0 0,13-8 0,-17 6 0,13-6 0,-25 8 0,17 0 0,-23 0 0,16 0 0,-12 0 0,12 0 0,-16 0 0,15-16 0,13 13 0,-7-13 0,26 16 0,-33-8 0,16 6 0,5 2 0,6-8 0,-15 8 0,1 0 0,3 0 0,-3 0 0,-12 0 0,25 0 0,-38 0 0,21 0 0,-19 0 0,19-15 0,-21 11 0,22-12 0,-20 16 0,19 0 0,-21-8 0,6 6 0,8-6 0,-12 8 0,11 0 0,-15 0 0,0 0 0,8 0 0,10 0 0,2 0 0,13 0 0,2 0 0,-4 0 0,-1 0 0,3 0 0,0 0 0,-3 0 0,-16 0 0,27 0 0,-29 0 0,11 8 0,-21-6 0,6 6 0,-8-8 0,16 0 0,-13 23 0,13-17 0,-8 41 0,-6-41 0,6 33 0,7-27 0,-11 22 0,12-15 0,-16-1 0,0-10 0,0 7 0,0-11 0,0 12 0,0-8 0,0-6 0,0 21 0,0-19 0,0 27 0,0-3 0,0-7 0,0 11 0,0-30 0,0 21 0,0-19 0,0 20 0,0-22 0,0 6 0,0-8 0,-16 15 0,12-3 0,-19 29 0,5-11 0,9-6 0,-1 2 0,-7-2 0,0-2 0,6 7 0,-13 10 0,22-27 0,-21 6 0,19 5 0,-20-19 0,7 20 0,-3-23 0,2 23 0,-5-12 0,19 5 0,-27-9 0,27 8 0,-20-12 0,22 12 0,-6-9 0,-7-5 0,11 6 0,-12-8 0,8 0 0,6 16 0,-21-12 0,19 11 0,-35-7 0,33-6 0,-41 6 0,33-8 0,-35 0 0,20 0 0,3 0 0,1 0 0,-13 0 0,3 0 0,2 0 0,21 0 0,-27 0 0,9 0 0,-7 0 0,5-2 0,0-4 0,-10-11 0,-3 5 0,-2-4 0,26 8 0,-7 6 0,13-5 0,7 7 0,6 0 0,-22-16 0,20 12 0,-19-20 0,21 22 0,-30-21 0,27 11 0,-35-5 0,29-7 0,-7 12 0,-6-29 0,5 12 0,-2 3 0,-1 1 0,-8-13 0,9 21 0,1-1 0,1-15 0,-15 13 0,23 3 0,-5-7 0,16 20 0,0-11 0,0 15 0,0-8 0,0 6 0,0-6 0,0 8 0,0 0 0,0-16 0,0-11 0,0 5 0,-4-10 0,0 1 0,2 14 0,0-15 0,-4-1 0,-9 4 0,11 1 0,-12 13 0,16 15 0,0 0 0,0 15 0,0-11 0,0 12 0,0-16 0,0 0 0,0 8 0,0-6 0,0 6 0</inkml:trace>
+  <inkml:trace contextRef="#ctx0" brushRef="#br0" timeOffset="42086">12947 12400 24575,'0'-9'0,"8"-31"0,-6 33 0,11-20 0,5-1 0,4 14 0,-1-7 0,1 1 0,5 8 0,-9-4 0,-10 16 0,15 0 0,-1 0 0,6-2 0,3-3 0,-8-4 0,1 0 0,3 3 0,-1 0 0,1-9 0,-4 7 0,-21 6 0,6-6 0,8 8 0,11 0 0,2-7 0,3-2 0,9 7 0,-1 0 0,-15-5 0,0-1 0,13 3 0,-5 2 0,-19 1 0,27-6 0,-14 8 0,-7 0 0,-4 0 0,-9 0 0,11 0 0,17 0 0,10 8 0,-18 4 0,-1 1 0,12 1 0,-17 6 0,-1-1 0,-1-7 0,-1 6 0,-10 5 0,8-19 0,-13 12 0,13-8 0,-16-6 0,0 5 0,0-7 0,0 16 0,0-12 0,0 19 0,0-5 0,16 10 0,-12 15 0,8-17 0,-1 1-1639,-9 0 1,-2 0-1,4 1 1,0-3 1408,-4 11 230,0-3 0,0-13 0,0-3 0,0 7 0,0-20 0,0 11 0,0 1 3276,0 11 0,-8 3-3044,-9 11-232,-11-21 0,9 13 0,-2-12 0,2 1 0,6 25 0,1-20 0,-2-1 0,-9 17 0,19-15 0,-12-11 0,8 7 0,6-13 0,-29 23 0,9-22 0,6 7 0,-3 1 0,-22-7 0,27 13 0,-25-18 0,19 7 0,1-11 0,3 12 0,8-16 0,-9 0 0,-19 0 0,-9 0 0,15 0 0,-1 0 0,3 0 0,2 0 0,-12 0 0,-1 0 0,35 0 0,-11 0 0,-1 0 0,12 0 0,-20 0 0,-1-16 0,-4 5 0,3-4 0,1-4 0,-5-16 0,5 13 0,1-9 0,20 13 0,-19-1 0,21-30 0,-22 10 0,13-6 0,-5 23 0,-2 2 0,-9-15 0,7 14 0,5-11 0,15 30 0,-8-21 0,6 11 0,-6-21 0,8 13 0,0-13 0,-16 5 0,12 9 0,-11 3 0,15 16 0,0 0 0,0-8 0,0 6 0,0-21 0,0 19 0,0-35 0,0 25 0,15-12 0,-11 19 0,12-9 0,-16 12 0,0-12 0,0 16 0,0-8 0,0 7 0,0-7 0,0 8 0,0 0 0,0-16 0,0 12 0,0-12 0,0 9 0,0 5 0,0-6 0,0 8 0,0 0 0,0-16 0,0 12 0,0-12 0,0 9 0,0 5 0,0-6 0,0 8 0,0 0 0,0 0 0</inkml:trace>
+  <inkml:trace contextRef="#ctx0" brushRef="#br0" timeOffset="49907">22084 12383 24575,'0'-20'0,"0"-11"0,0 27 0,0-12 0,23 16 0,-17 0 0,25-3 0,1-2 0,-22 3 0,28-8 0,2-3 0,-22 1 0,21 3 0,2 1 0,-15 0 0,5 7 0,2 2 0,5-1 0,-9-16 0,0 15 0,-3-2 0,-10-13 0,33 16 0,-30 0 0,22 0 0,-11 0 0,5 0 0,-2 0 0,3 0 0,-7 0 0,0 0 0,-1 0 0,-13 0 0,14 7 0,-3 2 0,-20-5 0,26 12 0,-15-8 0,3-6 0,13 5 0,-13-7 0,13 16 0,2-12 0,-13 12 0,25-9 0,-41-5 0,33 22 0,-27-4 0,21-1 0,-13 5 0,-3-7 0,7-5 0,-20 12 0,19-7 0,-21 3 0,22-3 0,-20-9 0,11-8 0,-15 16 0,0-12 0,0 12 0,0-16 0,0 7 0,0-5 0,0 22 0,0-12 0,0 21 0,0-21 0,0 11 0,0-21 0,0 22 0,-15-20 0,11 27 0,-20-19 0,22 5 0,-29 15 0,2-3 0,7-6 0,-2-1 0,2-4 0,1 0 0,-6 15 0,-6-14 0,13-1 0,2-10 0,-5-8 0,19 16 0,-20-12 0,22 11 0,-29-15 0,2 0 0,-16 0 0,11 0 0,1 0 0,-16 0 0,22 0 0,1 0 0,-23 0 0,35 0 0,-33 0 0,41 0 0,-33 0 0,35 0 0,-19 8 0,21-6 0,-6 6 0,-8-8 0,12 0 0,-11 0 0,7 0 0,6 0 0,-37 0 0,23 0 0,-17 0 0,1 0 0,26 0 0,-41 0 0,26 0 0,-5 0 0,1 0 0,3 0 0,-25 0 0,34 0 0,-29 0 0,31-8 0,-5 6 0,0-6 0,12-7 0,-19 11 0,5-20 0,-17 22 0,13-6 0,-9-7 0,29 11 0,-21-12 0,19 8 0,-12 6 0,16-6 0,0-7 0,0 11 0,0-12 0,0 16 0,0-8 0,0-9 0,0 5 0,0-35 0,0 23 0,1-11 0,-2-4 0,-7-10 0,6 4 0,-6 13 0,8 15 0,0 5 0,0-4 0,0 16 0,0-8 0,0 7 0,0-7 0,0 8 0,0 0 0,0-16 0,0 12 0,0-12 0,0 16 0,0-7 0,0 5 0,0-6 0,0-8 0,0 12 0,0-12 0,0 16 0,0-7 0,8-11 0,-6-9 0,6 7 0,8 4 0,-12 16 0,11 0 0,-15 0 0,0-8 0,0 6 0,8-21 0,-6 19 0,6-19 0,-8 5 0,0 6 0,16-4 0,-13 9 0,13 5 0,-16-6 0,0 8 0,0 0 0,0 0 0</inkml:trace>
+</inkml:ink>
+</file>
+
+<file path=ppt/ink/ink3.xml><?xml version="1.0" encoding="utf-8"?>
+<inkml:ink xmlns:inkml="http://www.w3.org/2003/InkML">
+  <inkml:definitions>
+    <inkml:context xml:id="ctx0">
+      <inkml:inkSource xml:id="inkSrc0">
+        <inkml:traceFormat>
+          <inkml:channel name="X" type="integer" min="-2.14748E9" max="2.14748E9" units="cm"/>
+          <inkml:channel name="Y" type="integer" min="-2.14748E9" max="2.14748E9" units="cm"/>
+          <inkml:channel name="F" type="integer" max="32767" units="dev"/>
+        </inkml:traceFormat>
+        <inkml:channelProperties>
+          <inkml:channelProperty channel="X" name="resolution" value="1000" units="1/cm"/>
+          <inkml:channelProperty channel="Y" name="resolution" value="1000" units="1/cm"/>
+          <inkml:channelProperty channel="F" name="resolution" value="0" units="1/dev"/>
+        </inkml:channelProperties>
+      </inkml:inkSource>
+      <inkml:timestamp xml:id="ts0" timeString="2024-02-29T17:29:25.487"/>
+    </inkml:context>
+    <inkml:brush xml:id="br0">
+      <inkml:brushProperty name="width" value="0.05292" units="cm"/>
+      <inkml:brushProperty name="height" value="0.05292" units="cm"/>
+      <inkml:brushProperty name="color" value="#FF0000"/>
+    </inkml:brush>
+  </inkml:definitions>
+  <inkml:trace contextRef="#ctx0" brushRef="#br0">15134 5292 24575,'32'-20'0,"-25"5"0,23 12 0,3 6 0,-9-3 0,4 0 0,2 0-1362,15 0 1362,-15 0 0,1 0 0,3 0 0,3 0 0,5 0 0,4 0 0,1 0-1093,0-3 1,1 0 0,-2 1-1,-5 1 1,-2 2 0,3-3 811,0-3 0,5-2 0,-4 0 0,-9 2 1172,3 1-891,1-1 0,11-2 0,0 0 0,-10 3 0,6 2 0,-14-2 0,10-2 0,3-1 0,0-1 0,-4 2 0,7-2 0,-2 1 0,0 0-438,-7 0 0,1 0 1,0 0-1,2 1 438,8-1 0,4 2 0,-3-1 0,-8 0 0,-7-3 0,0 0 0,6 6 0,8 0 0,1 1 0,-3-1-264,-3-5 1,-2-1-1,3 2 264,-4 5 0,3 2 0,2 0 0,-1 1 0,-4-2 0,7-1 0,-4-1 0,2 0 0,-5 3 0,3 0 0,-2 0 0,-7 0 0,-4 0 0,-3 0 0,22 2 0,0-4 0,-20-5 0,-1-1 0,3 6 0,3 2 0,-2-2 0,0-9 0,0-2 0,1 6 0,1 2 0,-2 0 0,1-1 0,-1 0 0,2-4 0,3-2 0,-3 3 0,-1 3 0,0 0 0,5-4 0,3-2 0,-5 0 0,-7 3 0,1-1 0,10-1 0,6-2 0,-6 4 0,-12 2 0,-1 2 0,8-3 0,5 0 0,-2 0 1638,0-1 0,2 1-1554,-3 4 0,5 2 0,1-1 1,0 0-85,-4-3 0,1 0 0,-1-1 0,1 2-295,3 4 1,0 1 0,1 1 0,1-3 294,2-2 0,2-3 0,-2 0 0,-4 2 0,-9 3 0,-4 2 0,5-2 0,1-2 0,6-1 0,2-1 0,-3 1 0,-4 1 0,-2 3 0,-4 2 0,4-3 0,6-1 0,6-2 0,3-1 0,-3 1 0,-7 1 0,4 2 0,2 0 0,-11-1 0,8-1 0,4-1 0,-1 0 0,-3 1 0,-7 2 0,11 0 0,0 2 0,-11-2 0,6 1 0,4-1 0,-1 1 0,-2 0 0,-8 0 0,13 0 0,0 2 0,-6-1 0,6 0 0,3 0 0,0 0 0,-5 0 0,-2 0 0,-4 0 0,1 0 0,3 0 0,-3 0 0,3 0 0,2 0 0,1 0 0,-3 0 0,-2 0 0,6 0 0,-3 0 0,-1 0 0,1 0 0,-2 0 0,1 0 0,0 0 0,-2 0 0,-4 0 0,-1 0 0,-5 0 0,4 0 0,5 0 0,4 0 0,0 0 0,-6 0 0,1 0 0,0 0 0,4 0 0,7 0 0,0 0 0,-6 0 0,-2 0 0,2 0 0,-8-1 0,7 1 0,2 0 0,-2 0 0,-7 1 0,6 3 0,-1 0 0,0-4 0,7-1 0,0 1 0,-7 3 0,-1 8 0,0 1 0,0-9 0,7-3 0,2-1 0,-3 3 0,-7 3 0,-2 2 0,0 0 0,-1-3 0,9-2 0,0-2 0,0 0 0,0 2 0,1 1 0,-4 0 0,3 5 0,2 0 0,-6-6 0,5-2 0,1 1 0,-1 0 0,-4 2 0,0 2 0,-1-1 0,1 0 0,0-3 0,-1-1 0,1-1 0,1 1 0,4 0 0,1 0 0,-1 0 0,-3 0 0,-1 0 0,-3 0 0,1 0 0,-6 0 0,1 0 0,1 0 0,-1 0 0,4 0 0,2 0 0,-3 0 0,-5 0 0,-3 0 0,1 0 0,5 0 0,7 0 0,1 0 0,-9 0 0,-7-1 0,-1 2 0,10 0 0,10 1 0,-2 1 0,-10-2 0,7 1 0,-12 0 0,8 0 0,5-1 0,-1 1 0,-4-1 0,6 0 0,-3-2 0,4 1 0,-10 0 0,3 0 0,2 0 0,1 0 0,0 0 0,-1 0 0,1 0 0,0 0 0,1 0 0,-1 0 0,0 0 0,-2 0 0,2 0 0,0 0 0,-1 0 0,-2 0 0,0 0 0,5 0 0,-2-1 0,-1 1 0,-1 1 0,8 3 0,-1 2 0,-1 0 56,-5-2 0,-2 0 0,2 0-56,-4 0 0,0 1 0,1-1 0,-3 0 0,0-1 0,-1-1 0,1 1 0,0 1 0,2 0 0,0 0 0,-3 0 0,10 2 0,0 0 0,-6-1 0,2 1 0,1 0 0,6 2 0,1 1 0,-2-2 161,-7-3 0,-2-1 1,3 1-162,0 4 0,3 1 0,0 0 0,-1-1 0,-4-5 0,-1-1 0,-1 0 0,-2 3 396,4 5 0,-2 2 0,0-3-396,0-7 0,0-3 0,-7 4 2017,13 20-2017,-7-21 0,-2-2 2408,-5 8-2408,6 0 0,2 0 0,-12-3 0,-1 2 708,1 1 0,1 1-708,17 6 0,-2 2 0,-19-3 0,1 1-346,16 2 0,7 1 0,-1 0 346,-8-1 0,-2 1 0,0 0 0,-2-3 0,0 0 0,0 0 0,5 2 0,0 0 0,-1 0 0,4 2 0,-2-1 0,-3 0 0,1-1 0,-6-3 0,1 0 0,-1 0 0,6 1 0,-1-1 272,0-1 0,0 1-272,5 7 0,-1-2 0,-9-13 0,-2 1 0,-6 13 0,1 1 0,6-8 0,4-3 0,-4 3 0,-9 5 0,1 1 0,6-2 0,4 0 0,-3 0 0,-2 5 0,-1 1 0,3 4 0,0-1 534,-6-12 0,-3 1-534,-3 11 0,0-5 0,15-15 0,-21 26 0,19-15 0,-19-5 0,4 6 0,1 3 0,3 9 0,-3-1 0,-9 18 0,8-18 0,-14-3 0,0 1 0,7 0 0,-2-1 0,-23 19 0,5-11 0,-6-1 0,-11-9 0,-4 1 0,6 4 0,0 4 0,-3-3-348,-1-8 1,-3-4 0,-2 1 347,4 0 0,-1 1 0,-1-1 0,0-1 0,-9 2 0,0-3 0,-1-1 0,5-2 0,-1-1 0,-1 0 0,0 0-443,-1 1 1,-1-1 0,0 0 0,0 0 442,2-1 0,0 0 0,-1-1 0,0-1 0,-6 0 0,-1-1 0,0-1 0,0 0 0,2 1 0,-1 0 0,0 0 0,1-2 0,3-3 0,0-1 0,0-1 0,0 0 0,-3 3 0,1-1 0,-1 0 0,2-1 0,-5-2 0,1-1 0,2-1 0,6 1 0,1 0 0,1 0-35,1 2 1,1 0-1,-1 2 35,0 1 0,-1 2 0,1-1 0,3-2 0,1-1 0,-4 1-262,-1 2 0,-3 1 0,-1-1 0,3-1 262,-2-4 0,2-1 0,-3 1 0,0 3 0,-4 3 0,0 0 0,2-2-219,-5-1 1,1-1 0,-2 2 218,4 2 0,-2 2 0,-1 0 0,2-1 0,2 0 0,0-1 0,1 0 0,-1-1 0,1-1 0,0 0 0,0 0 0,-2-1 0,4 1 0,-1 1 0,0-1 0,0 0 0,0-2 0,-4-2 0,1-1 0,0-1 0,1 3-92,4 3 0,0 2 0,1-1 1,0-1 91,-1-2 0,0-3 0,-1 0 0,1 1 0,-2 3 0,0 0 0,-1 1 0,0-2 0,3-2 0,-1-1 0,0 0 0,-1-1 0,-1 1-656,-5 0 1,-2 0-1,0 0 1,1 0 0,4 0 206,5 0 0,2 0 1,2 0-1,-3 0 449,-8 0 0,-3 0 0,1 0 0,5 0-14,10 0 0,3 0 0,-3 0 14,-7 1 0,-5 0 0,-2 2 0,1 0 0,8 1 0,0 1 0,0 0 0,-1 1 0,2-1-76,-6 2 1,1 1-1,-1-1 1,-1 1 75,0-1 0,-2-1 0,-1 1 0,1 0 0,2 1 0,5 0 0,2 0 0,0 1 0,1 0 0,-1-2 0,-1 0 0,1-1 0,-1-1 0,0 1 0,1 0 0,-1 0 0,0 1 0,-1 1 0,2-1 0,-1 0 0,-8 1 0,0 1 0,0-1 0,0 0 0,-1 0 0,0-2 0,0 1 0,0 0 0,8-2 0,0 0 0,1 1 0,-1-1 0,0 1 0,1 1 0,0 0 0,0 0 0,-1 0 0,0-2 0,-3 0 0,-1-1 0,-1-1 0,1 0 0,0 2 0,-1 1 0,0 1 0,1 0 0,0 0 0,1-1-109,-3 0 0,2-2 1,0 1-1,-2 0 109,5 1 0,-1 1 0,0 0 0,0 0 0,0-1 0,-5 0 0,0-2 0,-1 1 0,-2 0 0,11 0 0,-2 0 0,-1 1 0,-1 0 0,-1 0 0,-1-1 206,-1 0 1,-2 1-1,-1-1 1,-1 0 0,0 0-1,1 0 1,1-1-207,4 1 0,0-1 0,2 0 0,-1 0 0,0 0 0,-1 0 0,-1 1-397,1 0 1,-2 0 0,-1 0 0,-1 0-1,2 1 1,0-1 0,2 0 0,3 0 396,-7 1 0,5-1 0,1 1 0,-1-1 0,-4 0 0,5 0 0,-2-1 0,-2 0 0,0 0 0,0 0 0,1-1 0,2 1-135,-7 0 0,1-1 0,2 1 0,-1-1 0,-2 1 135,9-1 0,-1 1 0,-1-1 0,0 1 0,-1 0 0,1-1 0,0-1 0,-5 0 0,-1-2 0,0 0 0,1 0 0,0 1 0,0 0 0,5 1 0,0 1 0,0 1 0,1-1 0,0 0 0,-1-2 0,-1-2 0,-1-1 0,1 0 0,-1-2 0,1 1 0,-1-1 0,0 0 0,0 0 0,0 0 0,0-1 0,0 0 0,0 0 0,-2-2 0,0 0 0,0 0 0,0-1 0,2 0 0,2-1 0,-7-2 0,3 0 0,1-1 0,-1 1 0,8 4 0,0 0 0,0 0 0,0 1 0,2-2 9,-4-2 0,1 0 0,1 0 0,-4-1-9,-1 1 0,-2 0 0,-2-1 0,0 0 0,0 0 0,7 1 0,0 0 0,-1 0 0,0 0 0,1-2 0,-1-1 0,-1-2 0,0-2 0,0-1 0,0 0 0,0 1 0,2 0 0,-4 2 0,2 1 0,0 0 0,1-1 0,0-3 0,2-5 0,1-3 0,0-1 0,1 1 0,-3 3 0,0 3 0,-2 4 0,0 0 0,0 0 0,1-3 0,1-3 0,1-3 0,0-1 0,0 2 0,-2 2 0,-1 3 0,-2 2 0,-1 2 0,1-1 0,2 0 0,3 1 0,1-2 0,0 1 0,2 1 0,1 0 0,-1 1 0,3 0 0,-1 2 0,0-1 0,-7 0 0,-1 0 0,0 1 0,2-1 468,-5-2 0,2 0 0,-2 0-468,4 3 0,-2 1 0,0 0 0,0 0 0,2 2 0,1 0 0,1 0 0,0 1 0,-7-4 0,2 0 0,-1 2 1092,0 6 0,0 1 0,2-1-943,5-4 1,2 0-1,-2 0-149,-6 2 0,-1 1 0,3-1 0,0-3 0,2-2 973,10-1 0,0-3 1,4 1-974,4-1 0,3 0 2620,-15-20-2620,26 11 0,3-1 0,-1-22 0,11 14 0,6-5 0,2-1-271,3 7 0,2-2 1,2 1-1,3-3 271,3-3 0,4-2 0,2-1 0,0 1 0,-1 2 0,2-1 0,0 3 0,1 0 0,2-2 0,-6 7 0,3-2 0,0 0 0,0 1 0,-3 2 0,-3 5 0,8-8 0,-3 4 262,-3 3 0,2 0 0,-5 8-262,-4 11 0,-3 8 0,-9 0 0,-8 0 0,16 0 0,-12 0 2828,19 0-2828,-21 0 0,6 0 0,-8 0 0,0 0 0,0 24 0,0-18 0,0 17 0</inkml:trace>
+  <inkml:trace contextRef="#ctx0" brushRef="#br0" timeOffset="5605">22842 6597 8191,'-9'-15'0,"1"11"3276,8-20-1489,8 22 1031,-6-6-2818,5 8 1719,-7-15-1719,0 11 3276,16-20 0,-4 7-3044,21 5-232,-21-4 0,4 16 0,-16 0 0,15-8 0,-11 6 0,20-5 0,17-9 0,0 12 0,-2-8 0,-2 0 0,-5 10 0,15-5 0,-35 7 0,5 0 0,7 0 0,-5-16 0,24 12 0,3-12 0,-20 15 0,0 2 0,12-1 0,3 0 0,-22 0 0,15 0 0,-15 0 0,15 0 0,-7 16 0,16-12 0,-21 19 0,25-21 0,-41 22 0,41-20 0,-34 19 0,13-5 0,-3-6 0,-11 11 0,6-21 0,5 6 0,-19 8 0,12-12 0,-16 11 0,0-7 0,0 10 0,0 1 0,0 15 0,0 1 0,0-13 0,0 25 0,0-26 0,0 5 0,0-1 0,0-3 0,0 25 0,-16-18 0,5 8 0,-4-15 0,-4-2 0,-3-3 0,1 1 0,-2 19 0,-11-18 0,-3-3 0,12 2 0,1-2 0,-3-10 0,-3-1 0,-11 6 0,2 2 0,-2 5 0,15-12 0,-1-1 0,2 4 0,1-2 0,-13-7 0,-9 0 0,3-16 0,24 12 0,-5-11 0,-17-9 0,16 18 0,-3-8 0,-1-3 0,-7-1 0,15 7 0,-10-21 0,13 28 0,-2-19 0,3 21 0,-7-30 0,20 27 0,-9-17 0,-5-3 0,-10-5 0,14 5 0,-1-3 0,-7 1 0,3 1 0,7-3 0,-4-10 0,16 35 0,0-12 0,0 16 0,0-16 0,0 13 0,0-21 0,0 22 0,0-29 0,0 25 0,0-33 0,0 35 0,0-20 0,0 22 0,0-21 0,0 19 0,0-12 0,0 16 0,0 0 0,0-8 0,0 6 0,0-6 0,0 8 0,0-15 0,0 11 0,0-12 0</inkml:trace>
+</inkml:ink>
+</file>
+
+<file path=ppt/ink/ink4.xml><?xml version="1.0" encoding="utf-8"?>
+<inkml:ink xmlns:inkml="http://www.w3.org/2003/InkML">
+  <inkml:definitions>
+    <inkml:context xml:id="ctx0">
+      <inkml:inkSource xml:id="inkSrc0">
+        <inkml:traceFormat>
+          <inkml:channel name="X" type="integer" min="-2.14748E9" max="2.14748E9" units="cm"/>
+          <inkml:channel name="Y" type="integer" min="-2.14748E9" max="2.14748E9" units="cm"/>
+          <inkml:channel name="F" type="integer" max="32767" units="dev"/>
+        </inkml:traceFormat>
+        <inkml:channelProperties>
+          <inkml:channelProperty channel="X" name="resolution" value="1000" units="1/cm"/>
+          <inkml:channelProperty channel="Y" name="resolution" value="1000" units="1/cm"/>
+          <inkml:channelProperty channel="F" name="resolution" value="0" units="1/dev"/>
+        </inkml:channelProperties>
+      </inkml:inkSource>
+      <inkml:timestamp xml:id="ts0" timeString="2024-02-29T17:29:52.277"/>
+    </inkml:context>
+    <inkml:brush xml:id="br0">
+      <inkml:brushProperty name="width" value="0.05292" units="cm"/>
+      <inkml:brushProperty name="height" value="0.05292" units="cm"/>
+      <inkml:brushProperty name="color" value="#FF0000"/>
+    </inkml:brush>
+  </inkml:definitions>
+  <inkml:trace contextRef="#ctx0" brushRef="#br0">14623 14253 24575,'0'-20'0,"0"-19"0,0 33 0,0-25 0,0 13 0,0-7 0,0-1 0,0 0 0,6-6 0,3 2 0,3 16 0,4-9 0,1-3 0,3-3 0,7-8 0,3-1-537,-14 17 0,1-1 537,4-9 0,2-4 0,0 3 0,-1 6 0,1 1 0,2-7 0,2-3 0,-3 2 0,-2 4 0,-1-1 0,3 0 0,3-3 0,-5 4 0,-7 9 0,-1-1 0,11-19 0,1 0 0,-3 19 0,-1 1 0,4-14 0,1-1 0,6 0 0,3 1 0,-10 12 0,2 1 0,-2 0 0,8-10 0,-1-1 0,-6 4 0,2-1 0,-3 4 0,-2 8 0,-1-2 0,2-13 0,1-8 0,0 8 0,2 18 0,0-1 0,1-15 0,0-7 0,-2 8 0,14 4 0,-14-3 0,2-6 0,-5 7 0,2 8 0,-1-9 0,5-6 0,-5 10 0,1 14 0,6-20 0,0-3 0,-2 11 0,3 6 0,0-3 0,1-14 0,-6 23 0,0 0 0,8-23 0,9 13 0,-20 5 0,3-3 0,10-4 0,0 1 0,-13 10 0,1-2 0,6-8 0,2-5 0,-2 3 0,-2 6 0,-1 1 0,6-14 0,0-1 0,4 3 0,-3 5 0,-3 1 0,8-5 0,-1-1 0,-15 5 0,15-7 0,0 1 0,-14 8 0,3 0 0,8-2 0,-7 4 0,-1 1 0,0-1 0,6-5 0,-3 2 0,1 3 0,-1 1 0,4-4 0,3-1 0,-8 6 0,2-1 0,-5 2 263,5-5-263,3-5 0,-1 5 0,-12 15 0,6-13 0,1-1 0,-1 8 0,2-4 0,3-2 0,-6 8 0,1 1 0,-1 0 0,1 0 0,4-4 0,-2 3 0,-1 6 0,6-8 0,2 0 0,-12 11 0,-1 0-350,5-10 1,1-1 349,-2 6 0,-1 0 0,11-12 0,-9 5 0,1 3 0,6 6 391,-13-7 0,1-2-391,2 4 0,-1 1 0,7-4 0,-1-1 0,-1 3 0,-10 8 0,8-9 0,1-2 0,9-7 0,-8 7 0,-3-1 0,-6-4 0,5 1 0,1 3 0,-5 8 0,6-13 0,1-1 0,7 8 0,-12-4 0,1-1 0,0 7 0,1 0 0,9-11 0,-1 1 0,6 6 0,-3-6 0,-6 1 0,-24 15 0,25-6 0,5-3 0,-13-5 0,8 5 0,1-1 0,-5-14 0,-5 10 0,1 3 0,5 3 0,5-11 0,-2 21 0,2-22 0,3 20 0,-3-19 0,-2 21 0,10-22 0,-19 20 0,12-8 0,-1 1 0,-18 9 0,15-1 0,1-2 0,-4-11 0,4 15 0,1-2 0,-1-20 0,7 20 0,1 4 0,0-9 0,-7 0 0,0 0 0,4 4 0,-7 0 0,6-2 0,-2 1 0,3 0 0,-1 2 159,11 2 0,2 0-159,-5-2 0,-2-2 0,-3-2 0,0-2 0,-6 3 0,1 0 0,-2-1 0,9-3 0,-1 0 0,5 2 0,-4 1 0,-9-1 0,1 7 0,-1 0 0,-4-7 0,4 0 0,-1 0 0,-15 4 0,15-4 0,-1 1 0,-17 7 0,18-4 0,1 0 0,-16 2 0,22-10 0,1 0 0,-23 8 0,15-8 0,1 1 0,-4 9 0,-4-1 0,1-2 0,19-11 0,-10 15 0,-1-1 0,7-22 0,-8 22 0,-1 2 0,-3-8 0,0 0 0,1 1 0,9 3 0,-5-8 0,-1 0 0,6 10 0,-1-2 0,-1 0 0,-4 4 0,8 0 0,-2 0 0,-13 0 0,14 2 0,0-4 0,-14-13 0,12 12 0,4 2 0,-14-7 0,1 0 0,17 7 0,4 2 0,0-1 0,-2 0 0,-11 0 0,0 0 0,6 0 0,-3 0 0,-1 0 0,-6 0 0,0 0 0,7 0 0,-6 0 0,-2 0 0,-8 0 0,18 0 0,2 0 0,-7 0 0,4 0 0,2 0 0,-15 0 0,-3 0 0,13 0 0,3 16 0,-6-12 0,-6 4 0,3-1 0,-4-6 0,1-2 205,-3 1 0,1 0-205,22 8 0,-12-6 0,8 6 0,-11 0 0,-2 0 0,-6-4 0,16 8 0,2-1 0,-1-9 0,-8 1 0,1 2 0,-5 3 0,-3 0 0,1-5 0,-1 5 0,1 0 0,18 0 0,-8 0 0,0 2 0,-14-5 0,-1 1 0,10 7 0,-3-2 0,-2-9 0,-3 1 0,-1 2 0,13 10 0,-8-14 0,-2 2 0,-4 21 0,12-23 0,-2 0 0,-16 22 0,14-21 0,1 0 0,-4 30 0,-3-30 0,-1-1 0,-3 15 0,25-8 0,-18 10 0,16 1 0,-10-1 0,7 5 0,-13-19 0,6 12 0,-1-8 0,-15-6 0,15 21 0,-7-19 0,16 20 0,-13-22 0,-6 9 0,1 1 0,4 0 0,6 6 0,6 5 0,-27-11 0,25 6 0,-35-11 0,20 9 0,-7-12 0,11 27 0,-9-27 0,5 20 0,-6-7 0,1-5 0,14 12 0,-13-7 0,-2 3 0,5-2 0,-19 5 0,12-19 0,-16 12 0,0-16 0,0 8 0,0-7 0,0 7 0,0-8 0,0 0 0,0 16 0,0-12 0,0 12 0,0-16 0,0 7 0,0 11 0,0 2 0,0 13 0,0-6 0,0-7 0,0 4 0,0-22 0,0 21 0,0-11 0,-16 5 0,12-9 0,-11 16 0,15-3 0,0 4 0,0 1 0,-8 19 0,-10-7 0,13-10 0,-2 0 0,-16 12 0,14-10 0,0 0 0,-10 8 0,2-14 0,0 1 0,-10 12 0,13-11 0,0 1 0,-2-4 0,-1-1 0,-1 4 0,1-1 0,-13 12 0,5-9 0,1-5 0,-11 3 0,-2-8 0,-4 1 0,4 3 0,-3 1 0,-2-5 0,-4-1 0,1-1-1093,9-6 1,2-1 0,0 1 192,3 4 1,0 1 0,1-3 899,-12-6 0,4 0 0,11 10 0,1-1 0,-3-12 0,1-2 0,1 11 0,1 0 0,-23-10 0,27 9 0,-1 1 0,-4-5 0,-1-2 0,-3 3 0,1 2 1638,3 2 0,1-1 1061,-11 1-2699,12 6 0,17-10 0,-8-8 0,4 15 0,-29-3 0,16 8 0,-3 1 0,-7-6 0,-2 0 0,1 2 0,-1 1 0,-2-2 0,2 1 0,9 0 0,1 1 0,-7 1 0,-1 0 0,8-2 0,-1 1 0,-6 2 0,0 1 0,6-3 0,1 1 0,-4 3 0,1 1 0,3 4 0,1-3 0,4-9 0,-1 0 0,1 5 0,1 1 0,-6 6 0,-7 1 0,17-8 0,-1 1 0,-4-2 0,-1-1 0,-14 12 0,17-6 0,-1-1 0,-23-2 0,17 4 0,0 1 0,3-11 0,1 0 0,-6 5 0,1 1 0,9-3 0,1-1 0,-16 1 0,-1 1 0,3 10 0,-1 1 0,-10-6 0,0-1 0,10 4 0,1-1 0,-3-8 0,2-1 0,10 1 0,1-2 0,-7-7 0,-1 1 0,-1 14 0,-1 1 0,-8-5 0,0-1-296,11 3 1,1 1 295,-13 3 0,2-3 0,18-8 0,0 0 0,-16 11 0,-2-1 0,7-11 0,1 1 0,0 10 0,0-1 0,0-9 0,1 0 0,2 6 0,3 1 0,-5 5 591,-1 6-591,13-13 0,-2 1 0,-3-1 0,0-6 0,-10 8 0,3 3 0,14 4 0,-11-1 0,-11 5 0,7-2 0,15-3 0,1-1-1093,-12 7 1,-6 2 0,5-8 531,-2-4 561,-2 11 0,-2 0-1307,9-18 1,1 0 1306,1 9 0,1 1 0,-2-6 0,1-1 0,-7 15 0,1 2 0,-2-1 0,13-3 0,-17 2 0,12-9 0,1 1 0,-1-4 0,1 1 0,-3 5 0,-1 1 0,-7 1 0,-3-1-168,9-11 0,-1 0 1,1 0 167,-7 8 0,1-2 0,-8-2 0,2-4 2238,-1 0-2238,7 2 0,-2-1 0,-12-6 0,14 8 0,-1 3 0,-6-6 0,2-1 0,15 2 0,1 0 0,-21 4 0,-1 1 0,22-8 0,-3 1 0,-14 0 0,-7 0 0,4-1 0,8-1 0,-1-1-820,0-1 1,-7 0 0,2 1 0,7-3 286,9-1 1,1 0 532,-19 0 0,-7 0 0,8 2-350,18 3 0,-1 1 350,-17-4 0,-8-3 0,12 2 0,13 10 0,-9-7 0,-10 1 0,2 0 0,9-1 0,2 0 0,0 0 0,-2-1 0,-1-1 0,0 1 0,-12 6 0,-1 0 0,5-3 0,12-7 0,-1 0 0,-5 2 0,-5 2 0,0 1 0,1 1 0,1 2 0,-3 1 0,1 0 0,-3 1 0,0 1 0,1-1 225,5-3 0,0-1 0,1 1 1,-1 0-226,-6 3 0,-2 1 0,1 0 0,-1-1 0,3-3 0,-1-1 0,1 0 0,1-2 0,-5 0 0,2-1 0,-1 1 0,2 1 0,-1 2 0,2 0 0,6-3 0,5-3 0,1-1 0,-7 1 0,-5 0 0,7 2 0,13 5 0,-1-2 0,-10-8 0,-6-4 0,6 3 0,7 10 0,1 0 0,-7-10 0,-4-2 0,4 2 0,2 10 0,1 0 0,-4-10 0,-5-3 0,1 4 0,-1 10 0,-1 4 0,0-5 0,2-10 0,0-3 0,-2 3 0,-1 7 0,-2 4 0,1 0 0,5-6 0,-1-8 0,1-2 0,-7 12 0,-3 5 0,6-5 0,-5-8 0,12 6 0,-6 4 0,5-5 0,9-8 0,-1-2 0,-20 11 0,0 0 0,5-10 0,10 4 0,-6 3 0,1-1 0,-11-1 0,0-2 0,13 0 0,0 1 0,-2 1 0,-11 1 0,-2 0 0,6-1 0,11-1 0,1 0 0,-4-1 0,-3 1 0,3 1 0,7 5 0,0-1 0,-17-5 0,-2 0 0,5 11 0,1-1 0,0-9 0,0-2 0,1 2 0,3 2-726,-8 6 726,10-11 3276,17 12-2409,11-16 114,7 0-981,-16 0 2844,12 0-2844,-12 0 1615,9 0-1615,5-16 0,-22-3 0,-3-9 0,5-5 0,-17 13 0,27-21 0,-8 23 0,-1-1 0,7-26 0,-6 18 0,1 3 0,15 2 0,-8-1 0,1-1 0,9 3 0,-8-3 0,-4-3 0,0 0 0,1 1 0,2 3 0,0-1 0,-6-11 0,3 3 0,12 9 0,-7-15 0,-6 5 0,-4 23 0,9-20 0,0-2 0,-13 10 0,20-5 0,4-5 0,-5 1 0,0 0 0,4-18 0,0 15 0,0 3 0,0 1 0,0-3 0,0 0 0,0-1 0,-8 5 0,0 2 0,4 7 0,-12-13 0,16 21 0,0-27 0,0 33 0,0-19 0,0-5 0,0 7 0,0-5 0,0-3-562,0 0 1,0 1 561,0 2 0,0-1 0,0-5 0,0 0 0,0-6 0,0 3 0,0 2 0,0-1 0,0 1 0,0 14 0,0-15 0,0 19 0,0-7 0,0 13 0,0-7 0,0-13 0,0 25 0,0-24 0,0-3 0,0 15 561,0-20 1,0-4-562,0 1 0,-3 6 0,-1 1 0,2 5 0,-6-10 0,8 35 0,0-12 0,0 16 0,0-8 0,0 6 0,0-21 0,0 11 0,0-29 0,0 11 0,0 6 0,0-3 0,0-18 0,0 16 0,0-10 0,0 35 0,0-12 0,0 8 0,0 6 0,0-21 0,0 19 0,0-20 0,0 7 0,0-3 0,0 2 0,0-5 0,0 19 0,0-19 0,0 21 0,0-22 0,0 20 0,0-12 0,0 16 0,0 0 0,0-15 0,0 11 0,-16-12 0,12 16 0,-11 0 0,15 0 0,0 0 0</inkml:trace>
+  <inkml:trace contextRef="#ctx0" brushRef="#br0" timeOffset="16296">18133 12295 24575,'8'-45'0,"-1"18"0,3 3 0,10-6 0,-3 8 0,-1 3 0,-4 7 0,4-3 0,-16 15 0,7 0 0,-5-8 0,22 6 0,-12-22 0,21 20 0,-21-11 0,3 15 0,-15 0 0,16-8 0,-12 6 0,20-6 0,-22 8 0,5 0 0,9 0 0,-12 0 0,19 0 0,-21 0 0,22 0 0,-12 0 0,5 0 0,-9 0 0,-8 0 0,16 0 0,-4 0 0,5 0 0,7 0 0,-12 0 0,21 0 0,2 0 0,2 0 0,-1 0 0,-3 0 0,-21 0 0,3 0 0,-7 0 0,-6 0 0,22 0 0,-13 0 0,31 0 0,-29 0 0,27 0 0,-37 0 0,21 8 0,-22-6 0,6 6 0,-8-8 0,0 0 0,15 0 0,-11 0 0,20 15 0,-6-11 0,9 20 0,-7-22 0,3 6 0,-21-8 0,6 0 0,-8 0 0,16 15 0,-12-11 0,19 20 0,-5-22 0,1 6 0,-1 7 0,5-11 0,-19 12 0,12-8 0,-8-6 0,10 21 0,-7-11 0,13 21 0,-22-13 0,6-3 0,7 7 0,-11-20 0,12 27 0,-8-27 0,-6 12 0,6-8 0,-8-6 0,0 5 0,0-7 0,0 0 0,0 16 0,0-12 0,0 12 0,0-8 0,0 9 0,0-5 0,0 27 0,-8-33 0,6 41 0,-22-41 0,20 25 0,-11-13 0,7-6 0,6 3 0,-6-7 0,8-6 0,-16 22 0,12-20 0,-11 11 0,15-15 0,-8 16 0,6-12 0,-22 19 0,20-21 0,-35 22 0,33-20 0,-25 19 0,29-21 0,-21 22 0,19-20 0,-20 11 0,22-15 0,-6 8 0,-7-6 0,-29 22 0,20-18 0,-1 0 0,-20 11 0,19-4 0,5-2 0,15-7 0,-25 11 0,13-15 0,7 8 0,-13-6 0,22 6 0,-6-8 0,8 0 0,0 0 0,-15 0 0,-13 0 0,-17 0 0,16 0 0,-10 0 0,27 0 0,-21 0 0,21 0 0,-12 0 0,22 0 0,-21 0 0,19 0 0,-20-8 0,7 6 0,-3-21 0,-13 11 0,7-8 0,1-1 0,-1 7 0,0 3 0,5-2 0,19-2 0,-5 11 0,7-12 0,0 16 0,-16-8 0,12 6 0,-12-5 0,8-9 0,-9 4 0,5-6 0,-27-5 0,33 3 0,-25 1 0,29 3 0,-6 8 0,8 6 0,-16-6 0,12-7 0,-11 11 0,7-20 0,-10 22 0,6-5 0,-3-9 0,15 12 0,-8-12 0,6 16 0,-6 0 0,8-8 0,0 6 0,0-5 0,0 7 0,0-16 0,0 12 0,0-12 0,0 16 0,0-8 0,0 7 0,0-7 0,0 8 0,0-16 0,0 12 0,0-12 0,0 9 0,0 5 0,0-6 0,0 8 0,0-16 0,0 12 0,0-12 0,0 16 0,0-7 0,0 5 0,0-6 0,0 8 0,0 0 0,0-16 0,0 12 0,0-11 0,0-1 0,0 12 0,0-12 0,0 16 0,0 0 0,0-8 0,0 6 0,8-5 0,-6 7 0,6 0 0,-8 0 0,0-16 0,0 12 0,0-12 0,0 9 0,0 5 0,0-6 0,15 8 0,-11 0 0,12-16 0,-16 12 0,0-12 0,0 16 0,0 0 0,0 16 0,0-12 0,0 12 0</inkml:trace>
+</inkml:ink>
+</file>
+
+<file path=ppt/ink/ink5.xml><?xml version="1.0" encoding="utf-8"?>
+<inkml:ink xmlns:inkml="http://www.w3.org/2003/InkML">
+  <inkml:definitions>
+    <inkml:context xml:id="ctx0">
+      <inkml:inkSource xml:id="inkSrc0">
+        <inkml:traceFormat>
+          <inkml:channel name="X" type="integer" min="-2.14748E9" max="2.14748E9" units="cm"/>
+          <inkml:channel name="Y" type="integer" min="-2.14748E9" max="2.14748E9" units="cm"/>
+          <inkml:channel name="F" type="integer" max="32767" units="dev"/>
+        </inkml:traceFormat>
+        <inkml:channelProperties>
+          <inkml:channelProperty channel="X" name="resolution" value="1000" units="1/cm"/>
+          <inkml:channelProperty channel="Y" name="resolution" value="1000" units="1/cm"/>
+          <inkml:channelProperty channel="F" name="resolution" value="0" units="1/dev"/>
+        </inkml:channelProperties>
+      </inkml:inkSource>
+      <inkml:timestamp xml:id="ts0" timeString="2024-02-29T17:30:24.953"/>
+    </inkml:context>
+    <inkml:brush xml:id="br0">
+      <inkml:brushProperty name="width" value="0.05292" units="cm"/>
+      <inkml:brushProperty name="height" value="0.05292" units="cm"/>
+      <inkml:brushProperty name="color" value="#FF0000"/>
+    </inkml:brush>
+  </inkml:definitions>
+  <inkml:trace contextRef="#ctx0" brushRef="#br0">26617 14006 24575,'20'0'0,"27"-16"0,-16 4 0,-5 4 0,1-1 0,-1-4 0,-1 2 0,12 7 0,-11-8 0,-1 1 0,5 9 0,11-6 0,-22-8 0,15 12 0,-23-11 0,29 15 0,-27-8 0,14 7 0,3 0 0,9-23 0,6 20 0,-19-4 0,-3 1 0,7 7 0,-1-4 0,1 0 0,9 2 0,-2-2 0,0 0 0,-3 4 0,6 0 0,0 0 0,-15 0 0,16 0 0,-1 0 0,-15 0 0,15 0 0,1 0 0,-8 0-387,0 0 1,1 0 386,11 0 0,-8 0 0,12 0 0,-19 1 0,1-2 0,5-7 0,2 0 0,3 6 0,-2 0 0,-8-6 0,-1 1 0,0 7 0,-1 0 0,18-16 0,-21 14 0,1 0 0,-1-6 0,-1 0 0,20 8 0,0 0 773,-10-7-773,7 5 0,-16-2 0,0 0 0,16 4 0,-8 0 0,-4 0 0,-16 0 0,16 0 0,3 0 0,-8 0 0,8 0 0,1 0 0,-5 0 0,20 0 0,-19 0 0,-1 0 0,0 0 0,-5 0 0,18-1 0,2 2 0,-7 7 0,-3-7 0,1 0 0,14 6 0,-20-7 0,-4 8 0,1 0 0,19-4 0,-15 12 0,17-1 0,-26-11 0,5 5 0,-1-2 0,-3-7 0,25 8 0,-33-6 0,35 6 0,-20 7 0,-4-13 0,1 0 0,-3 9 0,-1 2 0,23 4 0,-10-5 0,-1 12 0,-22-7 0,11-5 0,-21 12 0,22-7 0,-13 3 0,7-3 0,5 7 0,-19-12 0,20 21 0,-6-6 0,1 1 0,-1 5 0,5-13 0,-19 13 0,28-13 0,-21 13 0,7-13 0,5 13 0,-19-21 0,20 11 0,-22-5 0,6 1 0,-8-1 0,15 21 0,-11-31 0,12 31 0,-16-21 0,0 2 0,0-3 0,0 7 0,0-13 0,0 23 0,0-15 0,-24 15 0,3-16 0,-3-1 0,-9 12 0,-8 0 0,4-1 0,19-4 0,-10-6 0,-1-3 0,10-7 0,-15 8 0,15-12 0,1 11 0,-5-15 0,11 0 0,-29 0 0,11 8 0,-2-7 0,-2 0 0,-15 7 0,23-8 0,-1 0 0,-7 7 0,3 2 0,6-6 0,-5 6 0,3-2 0,15-7 0,-27 0 0,17 0 0,-13 8 0,2-6 0,-3 6 0,7-8 0,-14 0 0,-2 0 0,-2 0-350,6-1 1,-3 2 349,7 6 0,0 1-17,0-5 1,-1-2 16,-7 7 0,0 0 0,9-7 0,2-2 0,3 1 0,3 0 0,-9 0 0,8 0 0,-1 0 0,-1 0 0,-1 0 0,-12 0 0,0 0 0,11 1 0,-1-2 0,0-3 0,-3-3 0,3 2-1639,-1 3 1,1 0 1007,-9-6 1,-2 1 69,-2 6 1,2 2 560,7-1 0,1 0 11,5 0 1,-1 0-12,-12-4 0,2 0 0,0 2 0,11-1 0,-4-2 0,-13-3 0,0 0-1639,9 6 1,-1 1 1405,7-4 1,-1-2 0,-2 3 232,-1 3 0,-2 1 0,3 1 1320,-6-1 0,0 0-1320,-2-2 0,-2-2 0,1 2 0,11 1 0,1 1 0,1-1 0,-7-3 0,0 0 0,-2 5 0,4-2 1504,-3-14-1504,-4 12 0,-3 2 0,18-7 0,2 0 0,-7 7 0,1 2 0,3-5 0,3 0 0,5 2 0,-5-9 0,1-1 0,5 8 1638,-6-11 0,-3-2 684,-8 6-2322,14 2 0,-1 0 600,-17-15-600,21 11 0,-1-1 0,-7 0 0,-1-1 0,4-11 0,0 3 0,-1 16 0,3 0 0,6-13 0,2 1 0,-16 7 0,-2-21 0,-3 13 0,11-13 0,4 5 0,21 9 0,-6 3 0,-8 8 0,12 6 0,-12-21 0,16 19 0,0-20 0,0 22 0,0-6 0,0-7 0,0 11 0,0-20 0,0 7 0,0 5 0,0-4 0,16 16 0,-4-8 0,29-9 0,4-3 0,-25 3 0,-1 1 0,15 4 0,-27-4 0,9 9 0,-12 5 0,12-6 0,-16 8 0,8 0 0,9 0 0,-5 0 0,4 0 0,-8 0 0,-7 0 0,31 0 0,-11 0 0,4-8 0,1 0 0,4 4 0,11-12 0,-29 16 0,19 0 0,-27 0 0,12 0 0,7 0 0,7 0 0,-1 0 0,18-15 0,-18 11 0,-3-8 0,1 0 0,11 10 0,3-5 0,-30 7 0,5-16 0,-16 12 0,0-12 0,0 16 0,0 0 0,0-8 0,0 6 0,0-5 0,0 7 0,0 0 0</inkml:trace>
+  <inkml:trace contextRef="#ctx0" brushRef="#br0" timeOffset="10375">15258 14517 24575,'0'-10'0,"0"3"0,0 7 0,0-16 0,0 12 0,0-12 0,0 16 0,0-15 0,0 11 0,7-36 0,-5 35 0,6-27 0,8 15 0,-3-15 0,1-3 0,9 9 0,-1-1-274,-7-19 1,0 0 273,10 17 0,-3 3 0,-16-19 0,16 8 0,3 1 0,-4-7 0,-4 8 0,2 2 0,14-3 0,-21 3 0,7 16 0,1-1 0,-6-19 0,14 8 0,8-1-426,-10 7 0,1 0 1,1-2 425,-2 0 0,2-2 0,0-1 0,-1 2 0,7-3 0,-1 2 0,0-3 0,-2 2 0,1-2 0,0 0 0,-3 3 0,-2 0 0,-1 3 0,-1 0 0,2 2 0,1 1 0,-2-1 0,8-16 0,-4 4 0,0 10 0,-13-1 0,1 1 0,15 5 0,-13-15 0,13 15 0,-13-14 0,13 21 0,-15-8 0,-1 1 0,5 5 0,2-6 0,-1-1 512,-1 1-512,3 4 0,1-1 0,3-19 0,3 14 0,1-1 0,-8-6 0,12 3 0,-1 5 0,-21 15 0,13-13 0,-1-1 0,-13 8 0,7-4 0,-1-1 0,-8 5 0,27-11 0,-33 21 0,19-13 0,5-2 0,-7 11 0,6-12 0,1-3 0,7 2 0,-12-2 0,1-2 0,1 1 0,-1-1 0,-3 5 0,1-1 0,7-7 0,-3 3 1312,-6 9-1312,2-10 0,-1 1 0,-10 17 0,18-15 0,3-5 0,-1 5 0,0-3 0,1-3 0,-7 4 0,-1 1 0,-3-1 0,1 1 0,9 2 0,1 5 0,5-3 0,-10 1 0,1 3 0,7 8 0,-19-13 0,-1-2 0,16 10 0,-12-5 0,1-2 0,9 1 0,1-1 0,1-1 0,-1 1 0,-1 0 0,-1 1 0,-4-1 0,-1 2 0,4 4 0,-3-8 0,-3 1 0,-9 13 0,15-16 0,4-3 0,9 12 0,-12-7 0,2-2 0,6 4 0,-1 1 0,-12 3 0,-1-1 0,2-6 0,1 1 0,-3 6 0,1 0 0,2-7 0,-1-1 0,-6 7 0,1 1 0,14-11 0,2 1 0,-6 5 0,1 0 0,-3 3 0,1-2 0,1 0-1093,0 0 1,-1 0 0,-1 1 106,7-6 0,-1 1 986,4-1 0,-4 2-2138,-1 2 2138,-6 7 0,0 0-986,8-5 986,-7 5-189,2-7 1,3-1 188,-6 5 0,1 0 0,-1 2 0,0-3 1638,2-9 0,-3 3-871,9 8-767,-7-11 0,12 1 2575,-21 20-2575,0-14 0,1-3 0,16 0 0,-15 7 0,1 0 0,10-7 0,1 3 0,-9 11 0,-1 0 747,2-5 1,1-1-748,5 0 0,0 2 0,10-1 318,-9 3 1,2 1-319,-9 4 0,1 0 0,18-4 0,2 0 0,-1 2 0,2 0-347,-3 1 1,2-1 0,0 0 346,-2-2 0,-1-1 0,1 2 0,2 5 0,0 2 0,0-2 0,-2-2 0,-1-2 0,0 1 0,-3 1 0,0 2 0,1 0 0,1 2 0,0 0 0,0-2 0,-1-5 0,-1-2 0,1 1 0,2 4 0,1 2 0,0-3 0,1-6 0,0-1 0,1 1 0,1 6 0,0 2 0,-3 0 0,4-5 0,-2 0 0,-10 2 0,2 1 0,-1 0 0,9-1 0,2 0 0,-4 1 0,3-1 0,2 0-355,-10 0 0,0-1 0,2 1 0,-2 1 355,1 3 0,-1 2 0,0 0 0,-2-2 0,4-3 0,-1-1 0,0 2 0,1 3 0,1 1 0,-1 1-100,0-1 1,0 0 0,-1 0 99,2 0 0,0 0 0,-1 0 0,-1 0 0,0 0 0,-2 0 0,-3-1 0,-2 0 0,0 3 0,15 5 0,0 1 0,-9-6 0,1-2 0,0 2-368,-3 5 0,1 3 0,1-3 368,-1-5 0,3-2 0,0-1 0,-2 2 0,7 1 0,-2 1 0,2 0 0,-5-3 0,2 0 0,0 0 0,-1 0 0,5-1 0,0 0 0,-1 3 0,-2 2 0,-1 2 0,0-1-1093,-2-3 1,-1-2 0,-3 2 274,1 6 1,-3 0 817,1-7 0,0-2 450,-2 0 1,-1 2-451,7 6 0,0 2 0,0-7 0,1-1-176,-4 4 0,2 1 0,-3-1 176,-2 0 0,1-2 0,6-3 0,5 0 0,-3 2 0,-1 10 0,0-1 0,-4-8 0,3-4 0,-3 3 361,7 9 0,-2 2-361,1-4 0,-2 0 1638,-10-4 0,-3 1 1427,13 18-3032,-10-22-33,-13 21 0,13-19 1175,-21 12-1175,12-16 129,-22 0-129,5 8 0,-7-6 0,0 6 0,0-8 0,0 15 0,0-11 0,0 12 0,0-16 0,-7 0 0,5 0 0,-6 0 0,16 0 0,17 8 0,7-1 0,5 3 0,-8 5 0,2 3 0,1 0-277,3-1 1,1-1 0,1 0 276,5 1 0,2 0 0,-3 2 0,-12 2 0,-2 2 0,3-2 0,6-7 0,5-3 0,1-1 0,-4 4-1093,2 8 1,-3 3 0,2-2 14,2-4 1,1-2 0,0 0 1077,-3 0 0,0-1 0,-1 2-177,-5 2 0,-1 1 0,1-1 177,3-1 0,2 0 0,-3 0 0,7 7 0,-1 1 0,-11-11 0,1 1 0,-4-1 0,-6 1 0,-1 3 0,3 6 0,2 5 0,-4-4 0,-5-5 0,-3 1 0,2 25 0,-6 0 531,-9 1-531,0-18 0,0 1 1638,0-1 0,0-3 1596,0-7-3027,0 19 0,0-36 0,0 11 0</inkml:trace>
+  <inkml:trace contextRef="#ctx0" brushRef="#br0" timeOffset="13711">27199 11148 24575,'30'0'0,"-3"0"0,0 0 0,5 0 0,-7 0 0,3 0 0,-1 0 0,-3 0 0,-3 0 0,10 7 0,1 2 0,1 3 0,-7-3 0,1-1 0,22 0 0,-35 8 0,25-12 0,-35 11 0,20-7 0,-23-6 0,31 22 0,-26-20 0,22 15 0,6 1 0,-8-14 0,7 17 0,1 1 0,-5-18 0,4 15 0,-1 5 0,-7-5 0,7-4 0,1 1 0,-4 16 0,4-16 0,1-1-534,-1 5 534,-1-6 0,1-1 0,4 3-717,-4-5 1,3 1 716,-9-1 0,2 1 0,6 1 0,4 0 0,-5-3 0,13 1 0,-11 0 0,6 1 0,-8-1 0,1-2 0,-4 0 0,5 1 0,-5-1 0,12 0 0,-11 2 0,4 2 0,-6-3 0,6-7 0,-6 4 0,6 3 0,-6-1 0,5 6 0,10-11 0,0 0 0,-12 18 0,7-14 0,1-3 0,0 5 0,-8 3 0,3 1 0,2-1 0,0-2 0,-12-3 0,-1 1 0,12 5 0,0 0 0,9 1 0,-8 1 0,0 0 0,5 3 0,1 4 0,0-3-815,-3-8 815,-7 0 0,6 4 0,-6-1-381,-11-3 0,1 1 381,9 1 0,7 1 0,0 1 0,-10-2 0,6 17 0,-5-16 0,9 1 0,1-1 0,-10-4 0,0 1 0,0 0 0,9 5 0,1 1 0,-10-3 0,4 11 0,-3-10 0,7 2 0,-6 1 0,-5 3 0,-3 1 0,7-1 0,1-1 0,-2-5 0,1 3 0,-5 4 0,2 4 0,-3-5 0,-4-10 0,-1 0 0,6 16 0,2 7 0,-3-6 0,14-4 0,-20 2 0,0 7 0,-2-7 0,12-1 0,-4 13 0,-3 0 0,-10-18 0,16 13 0,-3-1 0,-18-17 0,11 17 0,1 2 0,-2-13 0,-12 3 0,0 2 0,9 9 655,-10-13 0,-2 3-655,-2 16 0,0 4 0,2-14 0,0 0 0,-1 0-503,-2 8 0,0 2 503,0 2 0,0 3 0,0-9 0,0 1 0,0 1 0,0 9 0,0-7 0,0-12 0,0-1 0,-1 16 0,-1 7 0,-3-6 0,-2-11 0,-3 1 0,-1-1 0,-1 7 0,-2-1 0,0-5-684,-10 4 0,-1-1 684,3-1 0,-2 7 0,0 0 0,2-7 0,2-10 0,2-4 0,-3 2 0,-6 9 0,-3 5 0,0-1 0,1-6 0,-6 1 0,0-1 0,7-4 0,-2 5 0,-1-1 0,2-4 0,1-6 0,1-3 0,0 2 0,-6 7 0,-2 2 0,-1-5 0,-4-10 0,-2-5 0,2 1 0,1 4 0,-2-1 0,-2-7 0,-6-1 0,-3-1 0,4-2 0,-2-1 0,2-1 0,-1-1-465,7 1 0,-1 1 0,-1-1 0,-2-1 465,0-2 0,-4-2 0,-1 1 0,4-1 0,6 2 0,-5 3 0,-2 0 0,11-3 0,-7-1 0,-6 0 0,-1-1 0,2 1 0,4 1 0,8 0 0,1 1 0,7 1 0,-6-1 0,-3 1 0,-8-1 0,-4 1 0,-2-1 0,2 0 0,4 0 0,8 0 0,1-1 0,6 1 0,-5-1 0,-4 1 0,-7 1 0,-4 0 0,0 0 0,3 0 0,7-1 0,-1-2 0,6 0 0,-6 0 0,2 0 0,-7 0 0,-4 0 0,1 0 0,3 0 0,6 0 0,-1 0 0,6 0 0,-5 0 0,-2 0 0,-5 0 0,-2 0 0,-1 0 0,3 0-656,6 0 1,1 0-1,1 0 1,0 0 0,0 0 313,-8 0 1,1 0 0,0 0 0,-2 0 341,6 0 0,-2 0 0,-1 0 0,2 0 0,3 0-321,-8 0 0,3 0 1,-2 0 320,0 0 0,-3 0 0,0 0 0,5 0 0,5 0 0,3 0 0,-5 0 0,4 0 0,-5 0 0,-4 0 0,1 0 0,1 0 0,4 0 0,-1 0 0,3 0 0,1 0 0,-2 0 0,1 0 0,-3 0 0,0 0 0,0 0 0,1 0 0,-10 0 0,0 0 0,2 0 0,6 0 0,8 0 0,5 0 0,-4 0 0,-3 0 0,-4 0 0,-2 0 0,1 0 0,4 0-162,-2 0 1,4 0 0,-5 0 161,4-2 0,-5-1 0,-3 0 0,0 0 0,2 0 0,5 1 0,-8 1 0,5 0 0,-7-1 0,11 0 0,-7-1 0,-3 0 0,-3-1 0,-1 1 0,3-1 0,2 1 0,5 2-371,-8 0 0,5 1 0,1 0 0,-5-1 371,6-2 0,-4 0 0,-2-1 0,-1 0 0,0 0 0,1 1 0,2 0 0,-3 2 0,1 0 0,1 1 0,0 0 0,3 0 0,2-2 394,0-1 0,3-2 0,1 1 0,-7 0-394,7 3 0,-5 0 0,-3 0 0,-1 1 0,-1-1 0,2 0 0,2 0 0,3 0 0,-3-2 0,3-1 0,2 0 0,0 0 0,-2 1-113,1 1 0,0 0 0,-1 1 0,-1-1 0,0 0 0,0-1 113,-5-1 0,-2-1 0,-1-1 0,2 0 0,3 0 0,6 2 0,-2 0 0,5 0 0,-6 0 0,4 0 0,-6-1 0,-5 0 0,0 0 0,-1-1 0,3 2 0,6 0-218,-5 0 1,6 1-1,0 1 1,-7-1 217,7 1 0,-4 0 0,-4-1 0,-1 1 0,-1 0 0,2 0 0,2 0 0,5 1 0,-1 1 0,3 0 0,3 0 0,-2 0 0,-4 0 0,-1 0 0,-3 0 0,-3 0 0,0 0 0,1 0 0,2 0 0,3 0 0,-8 0 0,4 1 0,1-1 0,-4-1 0,11 1 0,-2-1 0,-1 0 0,-2 0 0,0 0 0,-1-1 0,1 1 0,-2-1 0,-1 0 0,-1-1 0,1 1 0,-2-1 0,0 0 0,-1 0 0,7 0 0,-2-1 0,-1 0 0,0 0 0,0-1 0,0 1 0,0 0 0,2 0 0,2 1 0,-4-1 0,2 1 0,1 0 0,0 0 0,1 1 0,-1-1 0,-1-1 0,-4 0 0,-2-1 0,-1-1 0,1 1 0,3 0 0,4 1 0,6 2 0,0 0 0,7 2 0,-6 0 0,1-1 0,-7-1 0,-2 1 0,0-1 0,1 1 0,6 0 0,-6 1 0,5 0 0,-5 0 0,2 0 0,-6 0 0,-3 0 0,0 0 0,3 0 0,6 0 0,-3-1 0,6 1 0,-5 1 0,3 1 0,-6 2 0,-3 0 0,0 1 0,4-1 0,6 0 0,1 0 0,5 0 0,-5 2 0,-1 2 0,-6 3 0,-3 2 0,-1 0 0,4-2 0,7-2 0,0-3 0,6-2 0,-5 3 0,-6 6 0,-6 5 0,-2 1 0,3-2 0,9-5 0,-1-7 0,1 0 0,-1 4 0,-7 4 0,0 1 0,7-3 969,0-1 0,2-3-969,-2-2 0,-3-2 0,1 1 0,-5 4 0,-2 0 0,3-7 0,-4-1 0,4-1 0,2 1 0,-2 0 0,8-3 0,-4-2 0,0 1 0,5 0 0,-2 2 0,0 0 0,3-1 0,-5-1 0,0-1 0,4 1 0,-3 0 0,0 1 0,1 2 0,-6 3 0,0-2 0,8-3 0,4-9 0,-1 0 0,-8 6 0,-8 2 0,-2 0 0,6-1 0,5-4 0,3 0 0,0-1 0,-2-1 0,-1-1 0,-2 2 0,5 4 0,-2 2 0,2 0 0,7-2 0,6-2 0,1-1 0,-18 0 0,-8 1 0,6 1 0,15 1 0,-1 0 0,-12 1 0,-7-1 0,4 0 609,1-6 0,0 0-609,8 5 0,-4 1 0,0-1 0,7 0 0,1-4 0,3 0 0,-18-7 0,10 5 0,32 11 2698,-25-22-2698,29 13 0,-6-38 0,8 25 0,0-11 0,0-2 0,0-5 127,0-3 1,0-2-128,0 19 0,0-3 0,0-13 0,-1-8 0,2 1-967,1 6 1,0 1-1,2 0 967,0 0 0,2 1 0,2-1 0,1-7 0,3 0 0,2 8-131,4 15 1,1 3 130,-1-16 0,-1-2 0,1 7 0,-2 3 0,-7 8 0,1 1 0,7-2 0,0 1 0,-6-8 30,11 15 0,3 0-30,7-11 0,-15 8 0,3 1 0,4 9 0,-1 2 0,-1-8 0,21-7 0,-16 20 0,6-11 0,-21 15 3224,4 0-3224,7-8 0,15 6 0,-12-10 0,2 0 0,11 10 0,-1 0 0,-13-5 0,-1-1 0,14-1 0,-2 2 3276,4 3-1769,-10-4 0,-2 0-1507,2 8 0,19 0 0,-35 0 1490,25 0-1490,-28 0 0,7 0 0,21 0 0,-23-7 0,17 5 0,-9-6 0,-12 8 0,21 0 0,-14 0 0,-1 0 0,-10 0 0,-8 0 0,0 0 0,0 0 0</inkml:trace>
+  <inkml:trace contextRef="#ctx0" brushRef="#br0" timeOffset="31608">27058 12242 24575,'25'-22'0,"-1"1"0,-8-2 0,1 1 0,17 3 0,-1 0 0,-17-2 0,-3 1 0,13 8 0,-3-3 0,-11 15 0,21-8 0,-21 6 0,9-8 0,5-4 0,10 1 0,-1-1 0,-12 3 0,1 0 0,20-10 0,-2 3 0,-12 14 0,-1-11 0,10 15 0,-35 0 0,20-8 0,1 6 0,12-6 0,-6 0 0,-1 0 0,9 4 0,-14-4 0,-1 1 0,11 7 0,-5 0 0,-5 0 0,-17 0 0,8 0 0,11 0 0,-1 0 0,1 0 0,20 0 0,-17 0 0,-1 0 0,8 0 0,-1 0 0,-19 0 0,-9 15 0,8-11 0,-5 20 0,23 1 0,-15-11 0,-1 7 0,-2-3 0,-5-14 0,5 27 0,-16-27 0,0 12 0,0-16 0,0 0 0,0 8 0,0-6 0,0 6 0,0 15 0,0 7 0,0 15 0,0-10 0,0 6 0,0-4 0,0-7 0,-16 9 0,13-35 0,-21 35 0,6-10 0,1-6 0,-1 0 0,-11 12 0,3-2 0,3-21 0,19 11 0,-20-21 0,7 22 0,-11-12 0,7 3 0,-1 3 0,-1 0 0,1-1 0,-15 5 0,15-1 0,3-3 0,-1-14 0,2 19 0,11-21 0,-9 6 0,4 8 0,-6-12 0,-13 12 0,10-9 0,-4 2 0,-1 0 0,-19 3 0,22 0 0,0-1 0,-3-9 0,1-2 0,-4 8 0,-20-8 0,23 0 0,-1 0 0,-12 0 0,-2 0 0,-5 0 0,2 0 0,15 0 0,1 0 0,-5 0 0,3 0 0,1 0 0,2 0 0,1 0 0,-4 0 0,-9 0 0,27 0 0,-5 0 0,-7-8 0,13 6 0,-23-21 0,15 11 0,2-8 0,0-1 0,-2 7 0,1-25 0,-5 35 0,19-27 0,-12 19 0,8-21 0,-10-3 0,7 7 0,-2 5 0,2-1 0,9-2 0,2 1 0,-8-7 0,0 1 0,1 1 0,3 9 0,-12-13 0,16 17 0,0 11 0,0 7 0,0 0 0,0-16 0,0 12 0,0-19 0,16 21 0,-12-6 0,11-8 0,-7 12 0,-6-12 0,6 16 0,8 0 0,-12 0 0,11 0 0,-15 0 0,0 0 0,8 0 0,-6-7 0,6 5 0,8-6 0,-12 8 0,11 0 0,-7 0 0,-6 0 0,6 0 0</inkml:trace>
+  <inkml:trace contextRef="#ctx0" brushRef="#br0" timeOffset="49974">22666 15011 24575,'8'-27'0,"9"-7"0,-5 15 0,12 1 0,-22-5 0,6 19 0,7-12 0,-3 8 0,21-10 0,-13 7 0,1-10 0,-1 2 0,-6 14 0,13-17 0,1-3 0,-13 3 0,14 5 0,-1-1 0,-14-16 0,25 15 0,-35 1 0,20 10 0,-23 8 0,7-15 0,8 11 0,-12-12 0,19 16 0,-21 0 0,22-8 0,-12 6 0,21-21 0,2 19 0,-13-20 0,17 22 0,-27-5 0,5 7 0,-9 0 0,8 0 0,-12 0 0,12 0 0,-16 0 0,0 0 0,7 0 0,19 0 0,-12 0 0,25 0 0,-27 0 0,21-16 0,-21 12 0,11-12 0,-21 16 0,6 0 0,8 0 0,-12 0 0,11 0 0,-15 0 0,8 0 0,-6 0 0,22 0 0,-21 0 0,37 16 0,-34-12 0,33 12 0,-35-16 0,19 0 0,-21 0 0,6 7 0,-8-5 0,0 6 0,0-8 0,0 0 0,0 16 0,16-12 0,-12 11 0,11-15 0,-15 8 0,8 10 0,10 17 0,1-5 0,-2-9 0,0-1 0,-6-1 0,5-1 0,-8-10 0,-6-8 0,6 15 0,-8-11 0,0 12 0,0-16 0,0 0 0,0 8 0,0-6 0,0 21 0,0 5 0,0-7 0,0 26 0,0-25 0,0 3 0,0 1 0,0 3 0,0 13 0,0-23 0,15-1 0,-11 5 0,12-19 0,-16 12 0,0-8 0,0 9 0,0-5 0,0 19 0,0-19 0,0 6 0,-16-10 0,12-8 0,-11 0 0,15 0 0,-8 15 0,-10 13 0,-1-7 0,2 4 0,0-3 0,-2-8 0,1 7 0,2-1 0,5-8 0,-5 12 0,16-22 0,-8 5 0,6 9 0,-29-4 0,9 5 0,-2-5 0,-3 0 0,-10 8 0,2 7 0,4-6 0,-3-1 0,2-5 0,-3 0-764,-2 3 0,-5 3 0,0-2 764,-1-3 0,0-1 0,4 1 0,9 1 0,3 2 0,-3-2 0,-9 1 0,-3-1 0,4-1-159,-1 3 0,1-1 159,3-5 0,-2-1 0,1-1 0,-1-1 0,2-3 0,4-2 0,5-2 0,14-3 0,-11 0 2252,5-23-2252,-9 1 358,-1-13-358,-5 2 0,13 13 0,4 0 0,-1-1 0,-2-9 0,-15-5 0,22 18 0,-11-7 0,21 20 0,-6-12 0,8 9 0,0 5 0,0-22 0,0-3 0,0 5 0,0-25 0,0 18 0,3 3 0,2-1 0,13-18 0,1 9 0,15 3 0,-23 21 0,13-11 0,-7 5 0,-5-1 0,12 1 0,-7-21 0,11 31 0,-9-23 0,-3 23 0,-16 6 0,8-6 0,-6 8 0,21 0 0,-19-16 0,20 12 0,-22-11 0,6 15 0,-8 0 0,0 0 0</inkml:trace>
+</inkml:ink>
+</file>
+
+<file path=ppt/ink/ink6.xml><?xml version="1.0" encoding="utf-8"?>
+<inkml:ink xmlns:inkml="http://www.w3.org/2003/InkML">
+  <inkml:definitions>
+    <inkml:context xml:id="ctx0">
+      <inkml:inkSource xml:id="inkSrc0">
+        <inkml:traceFormat>
+          <inkml:channel name="X" type="integer" min="-2.14748E9" max="2.14748E9" units="cm"/>
+          <inkml:channel name="Y" type="integer" min="-2.14748E9" max="2.14748E9" units="cm"/>
+          <inkml:channel name="F" type="integer" max="32767" units="dev"/>
+        </inkml:traceFormat>
+        <inkml:channelProperties>
+          <inkml:channelProperty channel="X" name="resolution" value="1000" units="1/cm"/>
+          <inkml:channelProperty channel="Y" name="resolution" value="1000" units="1/cm"/>
+          <inkml:channelProperty channel="F" name="resolution" value="0" units="1/dev"/>
+        </inkml:channelProperties>
+      </inkml:inkSource>
+      <inkml:timestamp xml:id="ts0" timeString="2024-02-29T17:32:09.888"/>
+    </inkml:context>
+    <inkml:brush xml:id="br0">
+      <inkml:brushProperty name="width" value="0.05292" units="cm"/>
+      <inkml:brushProperty name="height" value="0.05292" units="cm"/>
+      <inkml:brushProperty name="color" value="#FF0000"/>
+    </inkml:brush>
+  </inkml:definitions>
+  <inkml:trace contextRef="#ctx0" brushRef="#br0">18045 12101 24575,'13'0'0,"9"0"0,15 0 0,-5 0 0,1 0 0,8 0 0,1 0 0,0 0 0,-1 0 0,1 0 0,-3 0 0,-14 0 0,16 0 0,-1 0 0,-23 0 0,30 0 0,-29 0 0,17 0 0,-13 0 0,1 0 0,-7 0 0,-12 0 0,19 0 0,-5 0 0,17 0 0,-13 0 0,9 0 0,-29 0 0,22 15 0,-20-11 0,19 12 0,-21-8 0,6-6 0,8 6 0,-13-8 0,13 0 0,-16 15 0,0-11 0,8 12 0,-6-16 0,21 8 0,-19-6 0,20 21 0,-6-19 0,9 20 0,16-7 0,-21-5 0,9 11 0,-13-21 0,-7 6 0,13 8 0,-22-12 0,6 12 0,-8-1 0,15-11 0,-11 12 0,12-8 0,-16 9 0,0 3 0,0-2 0,0 13 0,0-25 0,0 17 0,0-7 0,0-12 0,0 12 0,0-9 0,-16 11 0,5-6 0,-9 8 0,-2-1 0,-7-5 0,2 11 0,5-4 0,4-3 0,13-10 0,-14 11 0,-2 1 0,10-2 0,-23-6 0,15 11 0,1-21 0,-13 22 0,9-20 0,-6 15 0,-3 1 0,-16-14 0,11 10 0,-4-1 0,-8-12 0,0-4-1639,4 5 1,2 0 833,-1-4 0,-1 0 805,-6 0 0,2 0-1344,20 0 1,1 0 1343,-11 0 0,0 0-918,-3 0 918,21 0 0,-13-8 0,-2-17 3276,5-13-3036,8-3 1,3-2-3264,7-2 3023,3 6 0,3 6 0,6 21 974,0-12-974,0 7 0,0 5 0,0-4 0,0 16 0,0-8 3276,0 6 0,0-5-3044,0 7-232,0 0 0,0-16 0,0 12 0,0-20 0,0 23 0,0-23 0,0-3 0,0-19 0,7 20 0,1 0 0,-4-20 0,12 19 0,-16 4 0,0 21 0,0-6 0,0-8 0,8 12 0,-6-12 0,6 16 0,-8 0 0,0-7 0,0-11 0,15 6 0,-11-11 0,20 5 0,-22 6 0,6-11 0,-8 21 0,15-6 0,-11 8 0,12 0 0</inkml:trace>
+</inkml:ink>
+</file>
+
+<file path=ppt/ink/ink7.xml><?xml version="1.0" encoding="utf-8"?>
+<inkml:ink xmlns:inkml="http://www.w3.org/2003/InkML">
+  <inkml:definitions>
+    <inkml:context xml:id="ctx0">
+      <inkml:inkSource xml:id="inkSrc0">
+        <inkml:traceFormat>
+          <inkml:channel name="X" type="integer" min="-2.14748E9" max="2.14748E9" units="cm"/>
+          <inkml:channel name="Y" type="integer" min="-2.14748E9" max="2.14748E9" units="cm"/>
+          <inkml:channel name="F" type="integer" max="32767" units="dev"/>
+        </inkml:traceFormat>
+        <inkml:channelProperties>
+          <inkml:channelProperty channel="X" name="resolution" value="1000" units="1/cm"/>
+          <inkml:channelProperty channel="Y" name="resolution" value="1000" units="1/cm"/>
+          <inkml:channelProperty channel="F" name="resolution" value="0" units="1/dev"/>
+        </inkml:channelProperties>
+      </inkml:inkSource>
+      <inkml:timestamp xml:id="ts0" timeString="2024-02-29T17:32:21.100"/>
+    </inkml:context>
+    <inkml:brush xml:id="br0">
+      <inkml:brushProperty name="width" value="0.05292" units="cm"/>
+      <inkml:brushProperty name="height" value="0.05292" units="cm"/>
+      <inkml:brushProperty name="color" value="#FF0000"/>
+    </inkml:brush>
+  </inkml:definitions>
+  <inkml:trace contextRef="#ctx0" brushRef="#br0">27076 12083 24575,'0'-20'0,"0"5"0,0 15 0,15 0 0,-3 0 0,6 0 0,-10 0 0,7 0 0,5 0 0,23 0 0,-14 0 0,20 0 0,-22 0 0,-1 0 0,2 0 0,1 0 0,13 0 0,0 0 0,-9 0 0,-1 0 0,4-1 0,-1 2 0,-4 6 0,-2 1 0,-2-6 0,-1 0 0,-3 10 0,-1 0 0,14-10 0,-3 21 0,-6-19 0,-7 12 0,-4-8 0,-8 9 0,17 3 0,-11 13 0,25-13 0,-27-2 0,5 5 0,7-11 0,-12 21 0,5-5 0,7 15 0,-12-14 0,4-7 0,1-3 0,-5-7 0,3 4 0,-15-8 0,0-7 0,0 23 0,-15-12 0,-13 21 0,7-15 0,-3-1 0,-5-3 0,-3 2 0,-4 13 0,2-1 0,-7-13 0,9 6 0,1-3 0,2-16 0,3 10 0,-1 0 0,-18-8 0,20 8 0,-1-1 0,-8-9 0,-1-2 0,-2 12 0,0 0 0,-7-10 0,-1 0 0,1 6 0,2-1 0,-7-7 0,16 0 0,1 0 0,3 0 0,4-7 0,-1-1 0,-11 4 0,12-7 0,-1-2 0,-19-4 0,14 0 0,1-2 0,-1-2 0,1-1 0,5 5 0,19 13 0,-33-20 0,19 7 0,-7-3 0,8-11 0,4-3 0,4-1 0,2-1 0,2-2 0,6 6 0,2 3 0,-1-12 0,0 10 0,0 5 0,0 14 0,0-11 0,23-3 0,-1 12 0,2-1 0,3-11 0,2 1 0,7 9 0,-3 2 0,-4-11 0,11 17 0,-37 8 0,13-16 0,-16 12 0,0-11 0,0 15 0,8 0 0,-6 0 0,6-8 0,-8 6 0,0-6 0,0 8 0,15 0 0,-11-16 0,12 12 0,-16-27 0,0 27 0,0-11 0,0 7 0,8 6 0,-6-6 0,6-8 0,-8 12 0,0-19 0,0 21 0,0-6 0,0 8 0,0 0 0</inkml:trace>
+</inkml:ink>
+</file>
+
+<file path=ppt/ink/ink8.xml><?xml version="1.0" encoding="utf-8"?>
+<inkml:ink xmlns:inkml="http://www.w3.org/2003/InkML">
+  <inkml:definitions>
+    <inkml:context xml:id="ctx0">
+      <inkml:inkSource xml:id="inkSrc0">
+        <inkml:traceFormat>
+          <inkml:channel name="X" type="integer" min="-2.14748E9" max="2.14748E9" units="cm"/>
+          <inkml:channel name="Y" type="integer" min="-2.14748E9" max="2.14748E9" units="cm"/>
+          <inkml:channel name="F" type="integer" max="32767" units="dev"/>
+        </inkml:traceFormat>
+        <inkml:channelProperties>
+          <inkml:channelProperty channel="X" name="resolution" value="1000" units="1/cm"/>
+          <inkml:channelProperty channel="Y" name="resolution" value="1000" units="1/cm"/>
+          <inkml:channelProperty channel="F" name="resolution" value="0" units="1/dev"/>
+        </inkml:channelProperties>
+      </inkml:inkSource>
+      <inkml:timestamp xml:id="ts0" timeString="2024-02-29T17:32:42.900"/>
+    </inkml:context>
+    <inkml:brush xml:id="br0">
+      <inkml:brushProperty name="width" value="0.05292" units="cm"/>
+      <inkml:brushProperty name="height" value="0.05292" units="cm"/>
+      <inkml:brushProperty name="color" value="#FF0000"/>
+    </inkml:brush>
+  </inkml:definitions>
+  <inkml:trace contextRef="#ctx0" brushRef="#br0">22543 14817 24575,'19'-16'0,"11"3"0,3-1 0,2-16 0,-5 14 0,7-1 0,-4 1 0,-2 1 0,-3 1 0,0 0 0,-3 1 0,-2-3 0,-7 16 0,-12 0 0,12-8 0,-1 6 0,13-6 0,17-7 0,-16 11 0,-4-8 0,-3 0 0,-8 10 0,9-9 0,3-1 0,3 8 0,-4-4 0,1 0 0,11 8 0,-1-8 0,-3 6 0,2-5 0,-9 6 0,1 2 0,1-1 0,-1 0 0,0 0 0,-1 0 0,0 0 0,-1 0 0,12 0 0,-1 0 0,-3 0 0,2 0 0,-13 0 0,5 0 0,1 0 0,3 0 0,-5-1 0,1 2 0,8 6 0,-2-5 0,-5 6 0,-9 8 0,5-12 0,-6 11 0,-7-15 0,5 0 0,-8 8 0,-6-6 0,21 6 0,-19-8 0,20 16 0,-22-5 0,21 23 0,-11-15 0,21 15 0,-21-23 0,12 13 0,-22-6 0,5 1 0,9-1 0,-12-10 0,12 7 0,-16-11 0,0 12 0,0 0 0,0-12 0,0 19 0,0-5 0,0-6 0,0 11 0,0-5 0,0 1 0,0-1 0,0 5 0,0-19 0,0 20 0,0-22 0,0 6 0,0 7 0,-16 13 0,11 2 0,-2 1 0,-26 2 0,22 3 0,2-2 0,-8-10 0,3 5 0,4 1 0,6-9 0,-8 5 0,1-5 0,9-15 0,-6 26 0,8-30 0,-16 5 0,12-7 0,-35 16 0,-6-12 0,6 7 0,-2 1 0,12-2 0,-1-2-946,-20-2 1,4 0 945,11 10 0,-2-16 0,-1 0 0,1 15 0,12-13 0,-1 0 0,-19 14 0,8-16 0,-4 0 0,29 0 0,-27 0 0,33 0 0,-26 0 1891,15 0-1891,-19 0 0,-9 0 0,0 0 0,10 0 0,17 0 0,-13-16 0,9 12 0,-3-11 0,-1-1 0,-3 4 0,5-5 0,-1 1 0,-4 4 0,4-7 0,-1-1 0,-12 6 0,12-6 0,2-1 0,-6 1 0,10 4 0,-1-1 0,-14-3 0,5-13 0,5 21 0,17-11 0,-8 21 0,12-22 0,-11 5 0,15-9 0,0 11 0,0-7 0,0 12 0,0-21 0,0 21 0,0-11 0,0 21 0,0-22 0,0 20 0,0-19 0,0 21 0,0-22 0,0 21 0,0-13 0,0 16 0,0-8 0,0 6 0,0-6 0,0-7 0,0 11 0,0-20 0,0 6 0,0-9 0,0 7 0,0-3 0,0 21 0,0-6 0,0-8 0,0 28 0,0 0 0,-8 25 0,0-10 0,-2-3 0,-2-2 0,-3 1 0</inkml:trace>
+  <inkml:trace contextRef="#ctx0" brushRef="#br0" timeOffset="3034">22789 6262 24575,'28'0'0,"13"0"0,-27 0 0,25 0 0,-19 0 0,7 0 0,-9 0 0,5 0 0,-19-8 0,12 6 0,-8-5 0,17 7 0,12 0 0,-4-8 0,3 0 0,0 6 0,0 0 0,1-6 0,-1 0 0,-1 6 0,-1 4 0,-4 5 0,0 2 0,-2-4 0,-1 2 0,11 11 0,1 5 0,-3-1 0,0 1 0,1-4 0,-1 1 0,-2 6 0,0-3 0,-6-13 0,-3 0 0,12 23 0,5-13 0,-23 13 0,14-21 0,-5 11 0,-9-21 0,5 22 0,-22-13 0,21 23 0,-11 1 0,6 10 0,-5-19 0,-3 1 0,-6 18 0,12-10 0,-16 7 0,0-13 0,1-4 0,-2 1 0,-15 19 0,5-16 0,-5-7 0,-2-4 0,-1-15 0,-15 21 0,7-22 0,-16 6 0,16-8 0,1 0 0,-21 0 0,18 0 0,-1 0 0,4 0 0,-1 0 0,-9 0 0,2 0 0,-8 0 0,13 0 0,4 0 0,13 0 0,-29 0 0,11-24 0,5 14 0,-1-1 0,4-14 0,-1-1 0,-3 10 0,-1 2 0,4 2 0,1-1 0,-13-11 0,17 20 0,-5-11 0,11 7 0,-16-1 0,-1 0 0,12-2 0,-17-9 0,-3 0 0,6 7 0,-4-8 0,1 0 0,3 10 0,-9-13 0,38 22 0,-21-37 0,11 23 0,4-7 0,-1-3 0,-15-9 0,20 14 0,-12-3 0,16 16 0,0 6 0,0-21 0,0 19 0,0-20 0,0-1 0,0 11 0,0-9 0,0 7 0,0 4 0,0-6 0,0 11 0,0 7 0,0 0 0,0-16 0,0 12 0,16-12 0,-12 16 0,12 0 0,-16 0 0,0-15 0,0 11 0,0-12 0,0 16 0</inkml:trace>
+</inkml:ink>
+</file>
+
 <file path=ppt/notesMasters/notesMaster1.xml><?xml version="1.0" encoding="utf-8"?>
 <p:notesMaster xmlns:a="http://schemas.openxmlformats.org/drawingml/2006/main" xmlns:r="http://schemas.openxmlformats.org/officeDocument/2006/relationships" xmlns:p="http://schemas.openxmlformats.org/presentationml/2006/main">
   <p:cSld>
@@ -236,7 +470,7 @@
           <a:p>
             <a:fld id="{6A4B1ABF-BAF2-0E4B-88A8-8F2BBF0074AC}" type="datetimeFigureOut">
               <a:rPr lang="en-US" smtClean="0"/>
-              <a:t>10/11/21</a:t>
+              <a:t>2/29/24</a:t>
             </a:fld>
             <a:endParaRPr lang="en-US"/>
           </a:p>
@@ -904,7 +1138,7 @@
           <a:p>
             <a:fld id="{66610047-E131-0346-ABBC-77645D001C55}" type="slidenum">
               <a:rPr lang="en-US" smtClean="0"/>
-              <a:t>16</a:t>
+              <a:t>26</a:t>
             </a:fld>
             <a:endParaRPr lang="en-US"/>
           </a:p>
@@ -913,7 +1147,7 @@
     </p:spTree>
     <p:extLst>
       <p:ext uri="{BB962C8B-B14F-4D97-AF65-F5344CB8AC3E}">
-        <p14:creationId xmlns:p14="http://schemas.microsoft.com/office/powerpoint/2010/main" val="1381633714"/>
+        <p14:creationId xmlns:p14="http://schemas.microsoft.com/office/powerpoint/2010/main" val="938887274"/>
       </p:ext>
     </p:extLst>
   </p:cSld>
@@ -1070,7 +1304,7 @@
           <a:p>
             <a:fld id="{BA763BF8-AC66-E249-9CE8-8353EEB16B82}" type="datetimeFigureOut">
               <a:rPr lang="en-US" smtClean="0"/>
-              <a:t>10/11/21</a:t>
+              <a:t>2/29/24</a:t>
             </a:fld>
             <a:endParaRPr lang="en-US"/>
           </a:p>
@@ -1272,7 +1506,7 @@
           <a:p>
             <a:fld id="{BA763BF8-AC66-E249-9CE8-8353EEB16B82}" type="datetimeFigureOut">
               <a:rPr lang="en-US" smtClean="0"/>
-              <a:t>10/11/21</a:t>
+              <a:t>2/29/24</a:t>
             </a:fld>
             <a:endParaRPr lang="en-US"/>
           </a:p>
@@ -1480,7 +1714,7 @@
           <a:p>
             <a:fld id="{BA763BF8-AC66-E249-9CE8-8353EEB16B82}" type="datetimeFigureOut">
               <a:rPr lang="en-US" smtClean="0"/>
-              <a:t>10/11/21</a:t>
+              <a:t>2/29/24</a:t>
             </a:fld>
             <a:endParaRPr lang="en-US"/>
           </a:p>
@@ -1682,7 +1916,7 @@
           <a:p>
             <a:fld id="{BA763BF8-AC66-E249-9CE8-8353EEB16B82}" type="datetimeFigureOut">
               <a:rPr lang="en-US" smtClean="0"/>
-              <a:t>10/11/21</a:t>
+              <a:t>2/29/24</a:t>
             </a:fld>
             <a:endParaRPr lang="en-US"/>
           </a:p>
@@ -1957,7 +2191,7 @@
           <a:p>
             <a:fld id="{BA763BF8-AC66-E249-9CE8-8353EEB16B82}" type="datetimeFigureOut">
               <a:rPr lang="en-US" smtClean="0"/>
-              <a:t>10/11/21</a:t>
+              <a:t>2/29/24</a:t>
             </a:fld>
             <a:endParaRPr lang="en-US"/>
           </a:p>
@@ -2226,7 +2460,7 @@
           <a:p>
             <a:fld id="{BA763BF8-AC66-E249-9CE8-8353EEB16B82}" type="datetimeFigureOut">
               <a:rPr lang="en-US" smtClean="0"/>
-              <a:t>10/11/21</a:t>
+              <a:t>2/29/24</a:t>
             </a:fld>
             <a:endParaRPr lang="en-US"/>
           </a:p>
@@ -2642,7 +2876,7 @@
           <a:p>
             <a:fld id="{BA763BF8-AC66-E249-9CE8-8353EEB16B82}" type="datetimeFigureOut">
               <a:rPr lang="en-US" smtClean="0"/>
-              <a:t>10/11/21</a:t>
+              <a:t>2/29/24</a:t>
             </a:fld>
             <a:endParaRPr lang="en-US"/>
           </a:p>
@@ -2787,7 +3021,7 @@
           <a:p>
             <a:fld id="{BA763BF8-AC66-E249-9CE8-8353EEB16B82}" type="datetimeFigureOut">
               <a:rPr lang="en-US" smtClean="0"/>
-              <a:t>10/11/21</a:t>
+              <a:t>2/29/24</a:t>
             </a:fld>
             <a:endParaRPr lang="en-US"/>
           </a:p>
@@ -2900,7 +3134,7 @@
           <a:p>
             <a:fld id="{BA763BF8-AC66-E249-9CE8-8353EEB16B82}" type="datetimeFigureOut">
               <a:rPr lang="en-US" smtClean="0"/>
-              <a:t>10/11/21</a:t>
+              <a:t>2/29/24</a:t>
             </a:fld>
             <a:endParaRPr lang="en-US"/>
           </a:p>
@@ -3211,7 +3445,7 @@
           <a:p>
             <a:fld id="{BA763BF8-AC66-E249-9CE8-8353EEB16B82}" type="datetimeFigureOut">
               <a:rPr lang="en-US" smtClean="0"/>
-              <a:t>10/11/21</a:t>
+              <a:t>2/29/24</a:t>
             </a:fld>
             <a:endParaRPr lang="en-US"/>
           </a:p>
@@ -3499,7 +3733,7 @@
           <a:p>
             <a:fld id="{BA763BF8-AC66-E249-9CE8-8353EEB16B82}" type="datetimeFigureOut">
               <a:rPr lang="en-US" smtClean="0"/>
-              <a:t>10/11/21</a:t>
+              <a:t>2/29/24</a:t>
             </a:fld>
             <a:endParaRPr lang="en-US"/>
           </a:p>
@@ -3743,7 +3977,7 @@
             <a:fld id="{BA763BF8-AC66-E249-9CE8-8353EEB16B82}" type="datetimeFigureOut">
               <a:rPr lang="en-US" smtClean="0"/>
               <a:pPr/>
-              <a:t>10/11/21</a:t>
+              <a:t>2/29/24</a:t>
             </a:fld>
             <a:endParaRPr lang="en-US"/>
           </a:p>
@@ -4211,17 +4445,6 @@
           <a:p>
             <a:r>
               <a:rPr lang="en-GB" dirty="0"/>
-              <a:t>Vanessa </a:t>
-            </a:r>
-            <a:r>
-              <a:rPr lang="en-GB" dirty="0" err="1"/>
-              <a:t>LoBue</a:t>
-            </a:r>
-            <a:endParaRPr lang="en-GB" dirty="0"/>
-          </a:p>
-          <a:p>
-            <a:r>
-              <a:rPr lang="en-GB" dirty="0"/>
               <a:t>Jamil </a:t>
             </a:r>
             <a:r>
@@ -4233,7 +4456,15 @@
           <a:p>
             <a:r>
               <a:rPr lang="en-GB" dirty="0"/>
-              <a:t>with a little help from Andy Field</a:t>
+              <a:t>with help from Vanessa </a:t>
+            </a:r>
+            <a:r>
+              <a:rPr lang="en-GB" dirty="0" err="1"/>
+              <a:t>Lobue</a:t>
+            </a:r>
+            <a:r>
+              <a:rPr lang="en-GB" dirty="0"/>
+              <a:t> and Andy Field</a:t>
             </a:r>
           </a:p>
         </p:txBody>
@@ -4611,6 +4842,57 @@
           </a:p>
         </p:txBody>
       </p:sp>
+      <mc:AlternateContent xmlns:mc="http://schemas.openxmlformats.org/markup-compatibility/2006">
+        <mc:Choice xmlns:p14="http://schemas.microsoft.com/office/powerpoint/2010/main" Requires="p14">
+          <p:contentPart p14:bwMode="auto" r:id="rId3">
+            <p14:nvContentPartPr>
+              <p14:cNvPr id="3" name="Ink 2">
+                <a:extLst>
+                  <a:ext uri="{FF2B5EF4-FFF2-40B4-BE49-F238E27FC236}">
+                    <a16:creationId xmlns:a16="http://schemas.microsoft.com/office/drawing/2014/main" id="{A24F2739-9C4A-FD2E-87F5-640FA5E81DB9}"/>
+                  </a:ext>
+                </a:extLst>
+              </p14:cNvPr>
+              <p14:cNvContentPartPr/>
+              <p14:nvPr/>
+            </p14:nvContentPartPr>
+            <p14:xfrm>
+              <a:off x="3079800" y="1485360"/>
+              <a:ext cx="6503040" cy="4217400"/>
+            </p14:xfrm>
+          </p:contentPart>
+        </mc:Choice>
+        <mc:Fallback>
+          <p:pic>
+            <p:nvPicPr>
+              <p:cNvPr id="3" name="Ink 2">
+                <a:extLst>
+                  <a:ext uri="{FF2B5EF4-FFF2-40B4-BE49-F238E27FC236}">
+                    <a16:creationId xmlns:a16="http://schemas.microsoft.com/office/drawing/2014/main" id="{A24F2739-9C4A-FD2E-87F5-640FA5E81DB9}"/>
+                  </a:ext>
+                </a:extLst>
+              </p:cNvPr>
+              <p:cNvPicPr/>
+              <p:nvPr/>
+            </p:nvPicPr>
+            <p:blipFill>
+              <a:blip r:embed="rId4"/>
+              <a:stretch>
+                <a:fillRect/>
+              </a:stretch>
+            </p:blipFill>
+            <p:spPr>
+              <a:xfrm>
+                <a:off x="3070440" y="1476000"/>
+                <a:ext cx="6521760" cy="4236120"/>
+              </a:xfrm>
+              <a:prstGeom prst="rect">
+                <a:avLst/>
+              </a:prstGeom>
+            </p:spPr>
+          </p:pic>
+        </mc:Fallback>
+      </mc:AlternateContent>
     </p:spTree>
     <p:extLst>
       <p:ext uri="{BB962C8B-B14F-4D97-AF65-F5344CB8AC3E}">
@@ -5964,602 +6246,6 @@
       </p:grpSpPr>
       <p:sp>
         <p:nvSpPr>
-          <p:cNvPr id="2" name="Title 1">
-            <a:extLst>
-              <a:ext uri="{FF2B5EF4-FFF2-40B4-BE49-F238E27FC236}">
-                <a16:creationId xmlns:a16="http://schemas.microsoft.com/office/drawing/2014/main" id="{74B2E328-AC1E-D04F-84D1-E6C268FC2E36}"/>
-              </a:ext>
-            </a:extLst>
-          </p:cNvPr>
-          <p:cNvSpPr>
-            <a:spLocks noGrp="1"/>
-          </p:cNvSpPr>
-          <p:nvPr>
-            <p:ph type="title"/>
-          </p:nvPr>
-        </p:nvSpPr>
-        <p:spPr/>
-        <p:txBody>
-          <a:bodyPr/>
-          <a:lstStyle/>
-          <a:p>
-            <a:r>
-              <a:rPr lang="en-US" dirty="0"/>
-              <a:t>Example of Mediation Model</a:t>
-            </a:r>
-          </a:p>
-        </p:txBody>
-      </p:sp>
-      <p:pic>
-        <p:nvPicPr>
-          <p:cNvPr id="4" name="image2.png" descr="A picture containing graphical user interface&#10;&#10;Description automatically generated">
-            <a:extLst>
-              <a:ext uri="{FF2B5EF4-FFF2-40B4-BE49-F238E27FC236}">
-                <a16:creationId xmlns:a16="http://schemas.microsoft.com/office/drawing/2014/main" id="{C51ED03E-9EE4-354A-BDA7-1251CF3307EB}"/>
-              </a:ext>
-            </a:extLst>
-          </p:cNvPr>
-          <p:cNvPicPr/>
-          <p:nvPr/>
-        </p:nvPicPr>
-        <p:blipFill>
-          <a:blip r:embed="rId2"/>
-          <a:srcRect/>
-          <a:stretch>
-            <a:fillRect/>
-          </a:stretch>
-        </p:blipFill>
-        <p:spPr>
-          <a:xfrm>
-            <a:off x="584200" y="2501536"/>
-            <a:ext cx="10769600" cy="2883263"/>
-          </a:xfrm>
-          <a:prstGeom prst="rect">
-            <a:avLst/>
-          </a:prstGeom>
-          <a:ln/>
-        </p:spPr>
-      </p:pic>
-      <p:sp>
-        <p:nvSpPr>
-          <p:cNvPr id="3" name="Rectangle 2">
-            <a:extLst>
-              <a:ext uri="{FF2B5EF4-FFF2-40B4-BE49-F238E27FC236}">
-                <a16:creationId xmlns:a16="http://schemas.microsoft.com/office/drawing/2014/main" id="{54AEFA73-C155-5D40-AD34-7B1632D24AD2}"/>
-              </a:ext>
-            </a:extLst>
-          </p:cNvPr>
-          <p:cNvSpPr/>
-          <p:nvPr/>
-        </p:nvSpPr>
-        <p:spPr>
-          <a:xfrm>
-            <a:off x="4180114" y="1690688"/>
-            <a:ext cx="7460343" cy="4550455"/>
-          </a:xfrm>
-          <a:prstGeom prst="rect">
-            <a:avLst/>
-          </a:prstGeom>
-          <a:solidFill>
-            <a:schemeClr val="bg1"/>
-          </a:solidFill>
-          <a:ln>
-            <a:noFill/>
-          </a:ln>
-        </p:spPr>
-        <p:style>
-          <a:lnRef idx="2">
-            <a:schemeClr val="accent1">
-              <a:shade val="50000"/>
-            </a:schemeClr>
-          </a:lnRef>
-          <a:fillRef idx="1">
-            <a:schemeClr val="accent1"/>
-          </a:fillRef>
-          <a:effectRef idx="0">
-            <a:schemeClr val="accent1"/>
-          </a:effectRef>
-          <a:fontRef idx="minor">
-            <a:schemeClr val="lt1"/>
-          </a:fontRef>
-        </p:style>
-        <p:txBody>
-          <a:bodyPr rtlCol="0" anchor="ctr"/>
-          <a:lstStyle/>
-          <a:p>
-            <a:pPr algn="ctr"/>
-            <a:endParaRPr lang="en-US"/>
-          </a:p>
-        </p:txBody>
-      </p:sp>
-      <p:sp>
-        <p:nvSpPr>
-          <p:cNvPr id="5" name="TextBox 4">
-            <a:extLst>
-              <a:ext uri="{FF2B5EF4-FFF2-40B4-BE49-F238E27FC236}">
-                <a16:creationId xmlns:a16="http://schemas.microsoft.com/office/drawing/2014/main" id="{66C170C5-DDAE-D640-8D56-23999EEC0803}"/>
-              </a:ext>
-            </a:extLst>
-          </p:cNvPr>
-          <p:cNvSpPr txBox="1"/>
-          <p:nvPr/>
-        </p:nvSpPr>
-        <p:spPr>
-          <a:xfrm>
-            <a:off x="1553028" y="5628305"/>
-            <a:ext cx="1428596" cy="369332"/>
-          </a:xfrm>
-          <a:prstGeom prst="rect">
-            <a:avLst/>
-          </a:prstGeom>
-          <a:noFill/>
-        </p:spPr>
-        <p:txBody>
-          <a:bodyPr wrap="none" rtlCol="0">
-            <a:spAutoFit/>
-          </a:bodyPr>
-          <a:lstStyle/>
-          <a:p>
-            <a:r>
-              <a:rPr lang="en-US" dirty="0">
-                <a:latin typeface="Arial" panose="020B0604020202020204" pitchFamily="34" charset="0"/>
-                <a:cs typeface="Arial" panose="020B0604020202020204" pitchFamily="34" charset="0"/>
-              </a:rPr>
-              <a:t>All variables</a:t>
-            </a:r>
-          </a:p>
-        </p:txBody>
-      </p:sp>
-    </p:spTree>
-    <p:extLst>
-      <p:ext uri="{BB962C8B-B14F-4D97-AF65-F5344CB8AC3E}">
-        <p14:creationId xmlns:p14="http://schemas.microsoft.com/office/powerpoint/2010/main" val="3460731219"/>
-      </p:ext>
-    </p:extLst>
-  </p:cSld>
-  <p:clrMapOvr>
-    <a:masterClrMapping/>
-  </p:clrMapOvr>
-</p:sld>
-</file>
-
-<file path=ppt/slides/slide16.xml><?xml version="1.0" encoding="utf-8"?>
-<p:sld xmlns:a="http://schemas.openxmlformats.org/drawingml/2006/main" xmlns:r="http://schemas.openxmlformats.org/officeDocument/2006/relationships" xmlns:p="http://schemas.openxmlformats.org/presentationml/2006/main">
-  <p:cSld>
-    <p:spTree>
-      <p:nvGrpSpPr>
-        <p:cNvPr id="1" name=""/>
-        <p:cNvGrpSpPr/>
-        <p:nvPr/>
-      </p:nvGrpSpPr>
-      <p:grpSpPr>
-        <a:xfrm>
-          <a:off x="0" y="0"/>
-          <a:ext cx="0" cy="0"/>
-          <a:chOff x="0" y="0"/>
-          <a:chExt cx="0" cy="0"/>
-        </a:xfrm>
-      </p:grpSpPr>
-      <p:sp>
-        <p:nvSpPr>
-          <p:cNvPr id="2" name="Title 1">
-            <a:extLst>
-              <a:ext uri="{FF2B5EF4-FFF2-40B4-BE49-F238E27FC236}">
-                <a16:creationId xmlns:a16="http://schemas.microsoft.com/office/drawing/2014/main" id="{74B2E328-AC1E-D04F-84D1-E6C268FC2E36}"/>
-              </a:ext>
-            </a:extLst>
-          </p:cNvPr>
-          <p:cNvSpPr>
-            <a:spLocks noGrp="1"/>
-          </p:cNvSpPr>
-          <p:nvPr>
-            <p:ph type="title"/>
-          </p:nvPr>
-        </p:nvSpPr>
-        <p:spPr/>
-        <p:txBody>
-          <a:bodyPr/>
-          <a:lstStyle/>
-          <a:p>
-            <a:r>
-              <a:rPr lang="en-US" dirty="0"/>
-              <a:t>Example of Mediation Model</a:t>
-            </a:r>
-          </a:p>
-        </p:txBody>
-      </p:sp>
-      <p:pic>
-        <p:nvPicPr>
-          <p:cNvPr id="4" name="image2.png" descr="A picture containing graphical user interface&#10;&#10;Description automatically generated">
-            <a:extLst>
-              <a:ext uri="{FF2B5EF4-FFF2-40B4-BE49-F238E27FC236}">
-                <a16:creationId xmlns:a16="http://schemas.microsoft.com/office/drawing/2014/main" id="{C51ED03E-9EE4-354A-BDA7-1251CF3307EB}"/>
-              </a:ext>
-            </a:extLst>
-          </p:cNvPr>
-          <p:cNvPicPr/>
-          <p:nvPr/>
-        </p:nvPicPr>
-        <p:blipFill>
-          <a:blip r:embed="rId3"/>
-          <a:srcRect/>
-          <a:stretch>
-            <a:fillRect/>
-          </a:stretch>
-        </p:blipFill>
-        <p:spPr>
-          <a:xfrm>
-            <a:off x="584200" y="2501536"/>
-            <a:ext cx="10769600" cy="2883263"/>
-          </a:xfrm>
-          <a:prstGeom prst="rect">
-            <a:avLst/>
-          </a:prstGeom>
-          <a:ln/>
-        </p:spPr>
-      </p:pic>
-      <p:sp>
-        <p:nvSpPr>
-          <p:cNvPr id="3" name="Rectangle 2">
-            <a:extLst>
-              <a:ext uri="{FF2B5EF4-FFF2-40B4-BE49-F238E27FC236}">
-                <a16:creationId xmlns:a16="http://schemas.microsoft.com/office/drawing/2014/main" id="{54AEFA73-C155-5D40-AD34-7B1632D24AD2}"/>
-              </a:ext>
-            </a:extLst>
-          </p:cNvPr>
-          <p:cNvSpPr/>
-          <p:nvPr/>
-        </p:nvSpPr>
-        <p:spPr>
-          <a:xfrm>
-            <a:off x="7779657" y="1690688"/>
-            <a:ext cx="3860800" cy="4550455"/>
-          </a:xfrm>
-          <a:prstGeom prst="rect">
-            <a:avLst/>
-          </a:prstGeom>
-          <a:solidFill>
-            <a:schemeClr val="bg1"/>
-          </a:solidFill>
-          <a:ln>
-            <a:noFill/>
-          </a:ln>
-        </p:spPr>
-        <p:style>
-          <a:lnRef idx="2">
-            <a:schemeClr val="accent1">
-              <a:shade val="50000"/>
-            </a:schemeClr>
-          </a:lnRef>
-          <a:fillRef idx="1">
-            <a:schemeClr val="accent1"/>
-          </a:fillRef>
-          <a:effectRef idx="0">
-            <a:schemeClr val="accent1"/>
-          </a:effectRef>
-          <a:fontRef idx="minor">
-            <a:schemeClr val="lt1"/>
-          </a:fontRef>
-        </p:style>
-        <p:txBody>
-          <a:bodyPr rtlCol="0" anchor="ctr"/>
-          <a:lstStyle/>
-          <a:p>
-            <a:pPr algn="ctr"/>
-            <a:endParaRPr lang="en-US"/>
-          </a:p>
-        </p:txBody>
-      </p:sp>
-      <p:sp>
-        <p:nvSpPr>
-          <p:cNvPr id="5" name="TextBox 4">
-            <a:extLst>
-              <a:ext uri="{FF2B5EF4-FFF2-40B4-BE49-F238E27FC236}">
-                <a16:creationId xmlns:a16="http://schemas.microsoft.com/office/drawing/2014/main" id="{2B77AA83-0888-DA46-B79F-DE83A061A890}"/>
-              </a:ext>
-            </a:extLst>
-          </p:cNvPr>
-          <p:cNvSpPr txBox="1"/>
-          <p:nvPr/>
-        </p:nvSpPr>
-        <p:spPr>
-          <a:xfrm>
-            <a:off x="1553028" y="5628305"/>
-            <a:ext cx="1428596" cy="369332"/>
-          </a:xfrm>
-          <a:prstGeom prst="rect">
-            <a:avLst/>
-          </a:prstGeom>
-          <a:noFill/>
-        </p:spPr>
-        <p:txBody>
-          <a:bodyPr wrap="none" rtlCol="0">
-            <a:spAutoFit/>
-          </a:bodyPr>
-          <a:lstStyle/>
-          <a:p>
-            <a:r>
-              <a:rPr lang="en-US" dirty="0">
-                <a:latin typeface="Arial" panose="020B0604020202020204" pitchFamily="34" charset="0"/>
-                <a:cs typeface="Arial" panose="020B0604020202020204" pitchFamily="34" charset="0"/>
-              </a:rPr>
-              <a:t>All variables</a:t>
-            </a:r>
-          </a:p>
-        </p:txBody>
-      </p:sp>
-      <p:sp>
-        <p:nvSpPr>
-          <p:cNvPr id="6" name="TextBox 5">
-            <a:extLst>
-              <a:ext uri="{FF2B5EF4-FFF2-40B4-BE49-F238E27FC236}">
-                <a16:creationId xmlns:a16="http://schemas.microsoft.com/office/drawing/2014/main" id="{36A16E04-3449-0D46-B888-6A2771C73670}"/>
-              </a:ext>
-            </a:extLst>
-          </p:cNvPr>
-          <p:cNvSpPr txBox="1"/>
-          <p:nvPr/>
-        </p:nvSpPr>
-        <p:spPr>
-          <a:xfrm>
-            <a:off x="5254702" y="5628305"/>
-            <a:ext cx="1527021" cy="369332"/>
-          </a:xfrm>
-          <a:prstGeom prst="rect">
-            <a:avLst/>
-          </a:prstGeom>
-          <a:noFill/>
-        </p:spPr>
-        <p:txBody>
-          <a:bodyPr wrap="none" rtlCol="0">
-            <a:spAutoFit/>
-          </a:bodyPr>
-          <a:lstStyle/>
-          <a:p>
-            <a:r>
-              <a:rPr lang="en-US" dirty="0">
-                <a:latin typeface="Arial" panose="020B0604020202020204" pitchFamily="34" charset="0"/>
-                <a:cs typeface="Arial" panose="020B0604020202020204" pitchFamily="34" charset="0"/>
-              </a:rPr>
-              <a:t>Direct effects</a:t>
-            </a:r>
-          </a:p>
-        </p:txBody>
-      </p:sp>
-    </p:spTree>
-    <p:extLst>
-      <p:ext uri="{BB962C8B-B14F-4D97-AF65-F5344CB8AC3E}">
-        <p14:creationId xmlns:p14="http://schemas.microsoft.com/office/powerpoint/2010/main" val="3322701821"/>
-      </p:ext>
-    </p:extLst>
-  </p:cSld>
-  <p:clrMapOvr>
-    <a:masterClrMapping/>
-  </p:clrMapOvr>
-</p:sld>
-</file>
-
-<file path=ppt/slides/slide17.xml><?xml version="1.0" encoding="utf-8"?>
-<p:sld xmlns:a="http://schemas.openxmlformats.org/drawingml/2006/main" xmlns:r="http://schemas.openxmlformats.org/officeDocument/2006/relationships" xmlns:p="http://schemas.openxmlformats.org/presentationml/2006/main">
-  <p:cSld>
-    <p:spTree>
-      <p:nvGrpSpPr>
-        <p:cNvPr id="1" name=""/>
-        <p:cNvGrpSpPr/>
-        <p:nvPr/>
-      </p:nvGrpSpPr>
-      <p:grpSpPr>
-        <a:xfrm>
-          <a:off x="0" y="0"/>
-          <a:ext cx="0" cy="0"/>
-          <a:chOff x="0" y="0"/>
-          <a:chExt cx="0" cy="0"/>
-        </a:xfrm>
-      </p:grpSpPr>
-      <p:sp>
-        <p:nvSpPr>
-          <p:cNvPr id="2" name="Title 1">
-            <a:extLst>
-              <a:ext uri="{FF2B5EF4-FFF2-40B4-BE49-F238E27FC236}">
-                <a16:creationId xmlns:a16="http://schemas.microsoft.com/office/drawing/2014/main" id="{74B2E328-AC1E-D04F-84D1-E6C268FC2E36}"/>
-              </a:ext>
-            </a:extLst>
-          </p:cNvPr>
-          <p:cNvSpPr>
-            <a:spLocks noGrp="1"/>
-          </p:cNvSpPr>
-          <p:nvPr>
-            <p:ph type="title"/>
-          </p:nvPr>
-        </p:nvSpPr>
-        <p:spPr/>
-        <p:txBody>
-          <a:bodyPr/>
-          <a:lstStyle/>
-          <a:p>
-            <a:r>
-              <a:rPr lang="en-US" dirty="0"/>
-              <a:t>Example of Mediation Model</a:t>
-            </a:r>
-          </a:p>
-        </p:txBody>
-      </p:sp>
-      <p:pic>
-        <p:nvPicPr>
-          <p:cNvPr id="4" name="image2.png" descr="A picture containing graphical user interface&#10;&#10;Description automatically generated">
-            <a:extLst>
-              <a:ext uri="{FF2B5EF4-FFF2-40B4-BE49-F238E27FC236}">
-                <a16:creationId xmlns:a16="http://schemas.microsoft.com/office/drawing/2014/main" id="{C51ED03E-9EE4-354A-BDA7-1251CF3307EB}"/>
-              </a:ext>
-            </a:extLst>
-          </p:cNvPr>
-          <p:cNvPicPr/>
-          <p:nvPr/>
-        </p:nvPicPr>
-        <p:blipFill>
-          <a:blip r:embed="rId2"/>
-          <a:srcRect/>
-          <a:stretch>
-            <a:fillRect/>
-          </a:stretch>
-        </p:blipFill>
-        <p:spPr>
-          <a:xfrm>
-            <a:off x="584200" y="2501536"/>
-            <a:ext cx="10769600" cy="2883263"/>
-          </a:xfrm>
-          <a:prstGeom prst="rect">
-            <a:avLst/>
-          </a:prstGeom>
-          <a:ln/>
-        </p:spPr>
-      </p:pic>
-      <p:sp>
-        <p:nvSpPr>
-          <p:cNvPr id="5" name="TextBox 4">
-            <a:extLst>
-              <a:ext uri="{FF2B5EF4-FFF2-40B4-BE49-F238E27FC236}">
-                <a16:creationId xmlns:a16="http://schemas.microsoft.com/office/drawing/2014/main" id="{16CCEFF9-5639-674D-91C1-CA6A04E43D03}"/>
-              </a:ext>
-            </a:extLst>
-          </p:cNvPr>
-          <p:cNvSpPr txBox="1"/>
-          <p:nvPr/>
-        </p:nvSpPr>
-        <p:spPr>
-          <a:xfrm>
-            <a:off x="5254702" y="5628305"/>
-            <a:ext cx="1527021" cy="369332"/>
-          </a:xfrm>
-          <a:prstGeom prst="rect">
-            <a:avLst/>
-          </a:prstGeom>
-          <a:noFill/>
-        </p:spPr>
-        <p:txBody>
-          <a:bodyPr wrap="none" rtlCol="0">
-            <a:spAutoFit/>
-          </a:bodyPr>
-          <a:lstStyle/>
-          <a:p>
-            <a:r>
-              <a:rPr lang="en-US" dirty="0">
-                <a:latin typeface="Arial" panose="020B0604020202020204" pitchFamily="34" charset="0"/>
-                <a:cs typeface="Arial" panose="020B0604020202020204" pitchFamily="34" charset="0"/>
-              </a:rPr>
-              <a:t>Direct effects</a:t>
-            </a:r>
-          </a:p>
-        </p:txBody>
-      </p:sp>
-      <p:sp>
-        <p:nvSpPr>
-          <p:cNvPr id="6" name="TextBox 5">
-            <a:extLst>
-              <a:ext uri="{FF2B5EF4-FFF2-40B4-BE49-F238E27FC236}">
-                <a16:creationId xmlns:a16="http://schemas.microsoft.com/office/drawing/2014/main" id="{706498E8-5325-6847-AAC9-56405AB22243}"/>
-              </a:ext>
-            </a:extLst>
-          </p:cNvPr>
-          <p:cNvSpPr txBox="1"/>
-          <p:nvPr/>
-        </p:nvSpPr>
-        <p:spPr>
-          <a:xfrm>
-            <a:off x="1553028" y="5628305"/>
-            <a:ext cx="1428596" cy="369332"/>
-          </a:xfrm>
-          <a:prstGeom prst="rect">
-            <a:avLst/>
-          </a:prstGeom>
-          <a:noFill/>
-        </p:spPr>
-        <p:txBody>
-          <a:bodyPr wrap="none" rtlCol="0">
-            <a:spAutoFit/>
-          </a:bodyPr>
-          <a:lstStyle/>
-          <a:p>
-            <a:r>
-              <a:rPr lang="en-US" dirty="0">
-                <a:latin typeface="Arial" panose="020B0604020202020204" pitchFamily="34" charset="0"/>
-                <a:cs typeface="Arial" panose="020B0604020202020204" pitchFamily="34" charset="0"/>
-              </a:rPr>
-              <a:t>All variables</a:t>
-            </a:r>
-          </a:p>
-        </p:txBody>
-      </p:sp>
-      <p:sp>
-        <p:nvSpPr>
-          <p:cNvPr id="7" name="TextBox 6">
-            <a:extLst>
-              <a:ext uri="{FF2B5EF4-FFF2-40B4-BE49-F238E27FC236}">
-                <a16:creationId xmlns:a16="http://schemas.microsoft.com/office/drawing/2014/main" id="{E61E74C9-8648-134C-9438-5DAEF9C57871}"/>
-              </a:ext>
-            </a:extLst>
-          </p:cNvPr>
-          <p:cNvSpPr txBox="1"/>
-          <p:nvPr/>
-        </p:nvSpPr>
-        <p:spPr>
-          <a:xfrm>
-            <a:off x="8934073" y="5628305"/>
-            <a:ext cx="1680909" cy="369332"/>
-          </a:xfrm>
-          <a:prstGeom prst="rect">
-            <a:avLst/>
-          </a:prstGeom>
-          <a:noFill/>
-        </p:spPr>
-        <p:txBody>
-          <a:bodyPr wrap="none" rtlCol="0">
-            <a:spAutoFit/>
-          </a:bodyPr>
-          <a:lstStyle/>
-          <a:p>
-            <a:r>
-              <a:rPr lang="en-US" dirty="0">
-                <a:latin typeface="Arial" panose="020B0604020202020204" pitchFamily="34" charset="0"/>
-                <a:cs typeface="Arial" panose="020B0604020202020204" pitchFamily="34" charset="0"/>
-              </a:rPr>
-              <a:t>Indirect effects</a:t>
-            </a:r>
-          </a:p>
-        </p:txBody>
-      </p:sp>
-    </p:spTree>
-    <p:extLst>
-      <p:ext uri="{BB962C8B-B14F-4D97-AF65-F5344CB8AC3E}">
-        <p14:creationId xmlns:p14="http://schemas.microsoft.com/office/powerpoint/2010/main" val="3214517424"/>
-      </p:ext>
-    </p:extLst>
-  </p:cSld>
-  <p:clrMapOvr>
-    <a:masterClrMapping/>
-  </p:clrMapOvr>
-</p:sld>
-</file>
-
-<file path=ppt/slides/slide18.xml><?xml version="1.0" encoding="utf-8"?>
-<p:sld xmlns:a="http://schemas.openxmlformats.org/drawingml/2006/main" xmlns:r="http://schemas.openxmlformats.org/officeDocument/2006/relationships" xmlns:p="http://schemas.openxmlformats.org/presentationml/2006/main">
-  <p:cSld>
-    <p:spTree>
-      <p:nvGrpSpPr>
-        <p:cNvPr id="1" name=""/>
-        <p:cNvGrpSpPr/>
-        <p:nvPr/>
-      </p:nvGrpSpPr>
-      <p:grpSpPr>
-        <a:xfrm>
-          <a:off x="0" y="0"/>
-          <a:ext cx="0" cy="0"/>
-          <a:chOff x="0" y="0"/>
-          <a:chExt cx="0" cy="0"/>
-        </a:xfrm>
-      </p:grpSpPr>
-      <p:sp>
-        <p:nvSpPr>
           <p:cNvPr id="2" name="Title 1"/>
           <p:cNvSpPr>
             <a:spLocks noGrp="1"/>
@@ -6697,6 +6383,57 @@
           </a:fontRef>
         </p:style>
       </p:cxnSp>
+      <mc:AlternateContent xmlns:mc="http://schemas.openxmlformats.org/markup-compatibility/2006">
+        <mc:Choice xmlns:p14="http://schemas.microsoft.com/office/powerpoint/2010/main" Requires="p14">
+          <p:contentPart p14:bwMode="auto" r:id="rId3">
+            <p14:nvContentPartPr>
+              <p14:cNvPr id="5" name="Ink 4">
+                <a:extLst>
+                  <a:ext uri="{FF2B5EF4-FFF2-40B4-BE49-F238E27FC236}">
+                    <a16:creationId xmlns:a16="http://schemas.microsoft.com/office/drawing/2014/main" id="{96328DD8-7EA9-B742-2019-D946F810179D}"/>
+                  </a:ext>
+                </a:extLst>
+              </p14:cNvPr>
+              <p14:cNvContentPartPr/>
+              <p14:nvPr/>
+            </p14:nvContentPartPr>
+            <p14:xfrm>
+              <a:off x="5276880" y="1663560"/>
+              <a:ext cx="5950440" cy="1162800"/>
+            </p14:xfrm>
+          </p:contentPart>
+        </mc:Choice>
+        <mc:Fallback>
+          <p:pic>
+            <p:nvPicPr>
+              <p:cNvPr id="5" name="Ink 4">
+                <a:extLst>
+                  <a:ext uri="{FF2B5EF4-FFF2-40B4-BE49-F238E27FC236}">
+                    <a16:creationId xmlns:a16="http://schemas.microsoft.com/office/drawing/2014/main" id="{96328DD8-7EA9-B742-2019-D946F810179D}"/>
+                  </a:ext>
+                </a:extLst>
+              </p:cNvPr>
+              <p:cNvPicPr/>
+              <p:nvPr/>
+            </p:nvPicPr>
+            <p:blipFill>
+              <a:blip r:embed="rId4"/>
+              <a:stretch>
+                <a:fillRect/>
+              </a:stretch>
+            </p:blipFill>
+            <p:spPr>
+              <a:xfrm>
+                <a:off x="5267520" y="1654200"/>
+                <a:ext cx="5969160" cy="1181520"/>
+              </a:xfrm>
+              <a:prstGeom prst="rect">
+                <a:avLst/>
+              </a:prstGeom>
+            </p:spPr>
+          </p:pic>
+        </mc:Fallback>
+      </mc:AlternateContent>
     </p:spTree>
     <p:extLst>
       <p:ext uri="{BB962C8B-B14F-4D97-AF65-F5344CB8AC3E}">
@@ -6785,7 +6522,7 @@
 </p:sld>
 </file>
 
-<file path=ppt/slides/slide19.xml><?xml version="1.0" encoding="utf-8"?>
+<file path=ppt/slides/slide16.xml><?xml version="1.0" encoding="utf-8"?>
 <p:sld xmlns:a="http://schemas.openxmlformats.org/drawingml/2006/main" xmlns:r="http://schemas.openxmlformats.org/officeDocument/2006/relationships" xmlns:p="http://schemas.openxmlformats.org/presentationml/2006/main">
   <p:cSld>
     <p:spTree>
@@ -6957,6 +6694,57 @@
           </a:fontRef>
         </p:style>
       </p:cxnSp>
+      <mc:AlternateContent xmlns:mc="http://schemas.openxmlformats.org/markup-compatibility/2006">
+        <mc:Choice xmlns:p14="http://schemas.microsoft.com/office/powerpoint/2010/main" Requires="p14">
+          <p:contentPart p14:bwMode="auto" r:id="rId3">
+            <p14:nvContentPartPr>
+              <p14:cNvPr id="5" name="Ink 4">
+                <a:extLst>
+                  <a:ext uri="{FF2B5EF4-FFF2-40B4-BE49-F238E27FC236}">
+                    <a16:creationId xmlns:a16="http://schemas.microsoft.com/office/drawing/2014/main" id="{66A8138D-F6CF-27F4-A922-BFE3128B0FE1}"/>
+                  </a:ext>
+                </a:extLst>
+              </p14:cNvPr>
+              <p14:cNvContentPartPr/>
+              <p14:nvPr/>
+            </p14:nvContentPartPr>
+            <p14:xfrm>
+              <a:off x="5264280" y="3574800"/>
+              <a:ext cx="4077000" cy="2534400"/>
+            </p14:xfrm>
+          </p:contentPart>
+        </mc:Choice>
+        <mc:Fallback>
+          <p:pic>
+            <p:nvPicPr>
+              <p:cNvPr id="5" name="Ink 4">
+                <a:extLst>
+                  <a:ext uri="{FF2B5EF4-FFF2-40B4-BE49-F238E27FC236}">
+                    <a16:creationId xmlns:a16="http://schemas.microsoft.com/office/drawing/2014/main" id="{66A8138D-F6CF-27F4-A922-BFE3128B0FE1}"/>
+                  </a:ext>
+                </a:extLst>
+              </p:cNvPr>
+              <p:cNvPicPr/>
+              <p:nvPr/>
+            </p:nvPicPr>
+            <p:blipFill>
+              <a:blip r:embed="rId4"/>
+              <a:stretch>
+                <a:fillRect/>
+              </a:stretch>
+            </p:blipFill>
+            <p:spPr>
+              <a:xfrm>
+                <a:off x="5254920" y="3565440"/>
+                <a:ext cx="4095720" cy="2553120"/>
+              </a:xfrm>
+              <a:prstGeom prst="rect">
+                <a:avLst/>
+              </a:prstGeom>
+            </p:spPr>
+          </p:pic>
+        </mc:Fallback>
+      </mc:AlternateContent>
     </p:spTree>
     <p:extLst>
       <p:ext uri="{BB962C8B-B14F-4D97-AF65-F5344CB8AC3E}">
@@ -7045,309 +6833,7 @@
 </p:sld>
 </file>
 
-<file path=ppt/slides/slide2.xml><?xml version="1.0" encoding="utf-8"?>
-<p:sld xmlns:a="http://schemas.openxmlformats.org/drawingml/2006/main" xmlns:r="http://schemas.openxmlformats.org/officeDocument/2006/relationships" xmlns:p="http://schemas.openxmlformats.org/presentationml/2006/main">
-  <p:cSld>
-    <p:spTree>
-      <p:nvGrpSpPr>
-        <p:cNvPr id="1" name=""/>
-        <p:cNvGrpSpPr/>
-        <p:nvPr/>
-      </p:nvGrpSpPr>
-      <p:grpSpPr>
-        <a:xfrm>
-          <a:off x="0" y="0"/>
-          <a:ext cx="0" cy="0"/>
-          <a:chOff x="0" y="0"/>
-          <a:chExt cx="0" cy="0"/>
-        </a:xfrm>
-      </p:grpSpPr>
-      <p:sp>
-        <p:nvSpPr>
-          <p:cNvPr id="2" name="Title 1">
-            <a:extLst>
-              <a:ext uri="{FF2B5EF4-FFF2-40B4-BE49-F238E27FC236}">
-                <a16:creationId xmlns:a16="http://schemas.microsoft.com/office/drawing/2014/main" id="{A5D94323-83AB-4746-BBA6-E5E7F9A73DEE}"/>
-              </a:ext>
-            </a:extLst>
-          </p:cNvPr>
-          <p:cNvSpPr>
-            <a:spLocks noGrp="1"/>
-          </p:cNvSpPr>
-          <p:nvPr>
-            <p:ph type="title"/>
-          </p:nvPr>
-        </p:nvSpPr>
-        <p:spPr/>
-        <p:txBody>
-          <a:bodyPr/>
-          <a:lstStyle/>
-          <a:p>
-            <a:r>
-              <a:rPr lang="en-US" dirty="0"/>
-              <a:t>Mediation and Moderation</a:t>
-            </a:r>
-          </a:p>
-        </p:txBody>
-      </p:sp>
-      <p:sp>
-        <p:nvSpPr>
-          <p:cNvPr id="3" name="Content Placeholder 2">
-            <a:extLst>
-              <a:ext uri="{FF2B5EF4-FFF2-40B4-BE49-F238E27FC236}">
-                <a16:creationId xmlns:a16="http://schemas.microsoft.com/office/drawing/2014/main" id="{8FAF118F-1EDC-5D44-A82D-729B961F45AE}"/>
-              </a:ext>
-            </a:extLst>
-          </p:cNvPr>
-          <p:cNvSpPr>
-            <a:spLocks noGrp="1"/>
-          </p:cNvSpPr>
-          <p:nvPr>
-            <p:ph idx="1"/>
-          </p:nvPr>
-        </p:nvSpPr>
-        <p:spPr/>
-        <p:txBody>
-          <a:bodyPr>
-            <a:normAutofit/>
-          </a:bodyPr>
-          <a:lstStyle/>
-          <a:p>
-            <a:r>
-              <a:rPr lang="en-US" sz="3200" dirty="0"/>
-              <a:t>Most of the time we ask whether x affects y</a:t>
-            </a:r>
-          </a:p>
-          <a:p>
-            <a:endParaRPr lang="en-US" sz="3200" dirty="0"/>
-          </a:p>
-          <a:p>
-            <a:r>
-              <a:rPr lang="en-US" sz="3200" dirty="0"/>
-              <a:t>Mediation and moderation go a step further, and asks </a:t>
-            </a:r>
-            <a:r>
-              <a:rPr lang="en-US" sz="3200" b="1" dirty="0"/>
-              <a:t>how</a:t>
-            </a:r>
-            <a:r>
-              <a:rPr lang="en-US" sz="3200" dirty="0"/>
-              <a:t> and </a:t>
-            </a:r>
-            <a:r>
-              <a:rPr lang="en-US" sz="3200" b="1" dirty="0"/>
-              <a:t>when</a:t>
-            </a:r>
-            <a:r>
-              <a:rPr lang="en-US" sz="3200" dirty="0"/>
-              <a:t> x exerts its affect on y</a:t>
-            </a:r>
-          </a:p>
-          <a:p>
-            <a:endParaRPr lang="en-US" sz="3200" dirty="0"/>
-          </a:p>
-          <a:p>
-            <a:r>
-              <a:rPr lang="en-US" sz="3200" dirty="0"/>
-              <a:t>This is also called conditional process analysis</a:t>
-            </a:r>
-          </a:p>
-        </p:txBody>
-      </p:sp>
-    </p:spTree>
-    <p:extLst>
-      <p:ext uri="{BB962C8B-B14F-4D97-AF65-F5344CB8AC3E}">
-        <p14:creationId xmlns:p14="http://schemas.microsoft.com/office/powerpoint/2010/main" val="4016128327"/>
-      </p:ext>
-    </p:extLst>
-  </p:cSld>
-  <p:clrMapOvr>
-    <a:masterClrMapping/>
-  </p:clrMapOvr>
-  <p:timing>
-    <p:tnLst>
-      <p:par>
-        <p:cTn id="1" dur="indefinite" restart="never" nodeType="tmRoot">
-          <p:childTnLst>
-            <p:seq concurrent="1" nextAc="seek">
-              <p:cTn id="2" dur="indefinite" nodeType="mainSeq">
-                <p:childTnLst>
-                  <p:par>
-                    <p:cTn id="3" fill="hold">
-                      <p:stCondLst>
-                        <p:cond delay="indefinite"/>
-                      </p:stCondLst>
-                      <p:childTnLst>
-                        <p:par>
-                          <p:cTn id="4" fill="hold">
-                            <p:stCondLst>
-                              <p:cond delay="0"/>
-                            </p:stCondLst>
-                            <p:childTnLst>
-                              <p:par>
-                                <p:cTn id="5" presetID="1" presetClass="entr" presetSubtype="0" fill="hold" grpId="0" nodeType="clickEffect">
-                                  <p:stCondLst>
-                                    <p:cond delay="0"/>
-                                  </p:stCondLst>
-                                  <p:childTnLst>
-                                    <p:set>
-                                      <p:cBhvr>
-                                        <p:cTn id="6" dur="1" fill="hold">
-                                          <p:stCondLst>
-                                            <p:cond delay="0"/>
-                                          </p:stCondLst>
-                                        </p:cTn>
-                                        <p:tgtEl>
-                                          <p:spTgt spid="3">
-                                            <p:txEl>
-                                              <p:pRg st="0" end="0"/>
-                                            </p:txEl>
-                                          </p:spTgt>
-                                        </p:tgtEl>
-                                        <p:attrNameLst>
-                                          <p:attrName>style.visibility</p:attrName>
-                                        </p:attrNameLst>
-                                      </p:cBhvr>
-                                      <p:to>
-                                        <p:strVal val="visible"/>
-                                      </p:to>
-                                    </p:set>
-                                  </p:childTnLst>
-                                </p:cTn>
-                              </p:par>
-                            </p:childTnLst>
-                          </p:cTn>
-                        </p:par>
-                      </p:childTnLst>
-                    </p:cTn>
-                  </p:par>
-                  <p:par>
-                    <p:cTn id="7" fill="hold">
-                      <p:stCondLst>
-                        <p:cond delay="indefinite"/>
-                      </p:stCondLst>
-                      <p:childTnLst>
-                        <p:par>
-                          <p:cTn id="8" fill="hold">
-                            <p:stCondLst>
-                              <p:cond delay="0"/>
-                            </p:stCondLst>
-                            <p:childTnLst>
-                              <p:par>
-                                <p:cTn id="9" presetID="1" presetClass="entr" presetSubtype="0" fill="hold" grpId="0" nodeType="clickEffect">
-                                  <p:stCondLst>
-                                    <p:cond delay="0"/>
-                                  </p:stCondLst>
-                                  <p:childTnLst>
-                                    <p:set>
-                                      <p:cBhvr>
-                                        <p:cTn id="10" dur="1" fill="hold">
-                                          <p:stCondLst>
-                                            <p:cond delay="0"/>
-                                          </p:stCondLst>
-                                        </p:cTn>
-                                        <p:tgtEl>
-                                          <p:spTgt spid="3">
-                                            <p:txEl>
-                                              <p:pRg st="2" end="2"/>
-                                            </p:txEl>
-                                          </p:spTgt>
-                                        </p:tgtEl>
-                                        <p:attrNameLst>
-                                          <p:attrName>style.visibility</p:attrName>
-                                        </p:attrNameLst>
-                                      </p:cBhvr>
-                                      <p:to>
-                                        <p:strVal val="visible"/>
-                                      </p:to>
-                                    </p:set>
-                                  </p:childTnLst>
-                                </p:cTn>
-                              </p:par>
-                            </p:childTnLst>
-                          </p:cTn>
-                        </p:par>
-                      </p:childTnLst>
-                    </p:cTn>
-                  </p:par>
-                  <p:par>
-                    <p:cTn id="11" fill="hold">
-                      <p:stCondLst>
-                        <p:cond delay="indefinite"/>
-                      </p:stCondLst>
-                      <p:childTnLst>
-                        <p:par>
-                          <p:cTn id="12" fill="hold">
-                            <p:stCondLst>
-                              <p:cond delay="0"/>
-                            </p:stCondLst>
-                            <p:childTnLst>
-                              <p:par>
-                                <p:cTn id="13" presetID="1" presetClass="entr" presetSubtype="0" fill="hold" grpId="0" nodeType="clickEffect">
-                                  <p:stCondLst>
-                                    <p:cond delay="0"/>
-                                  </p:stCondLst>
-                                  <p:childTnLst>
-                                    <p:set>
-                                      <p:cBhvr>
-                                        <p:cTn id="14" dur="1" fill="hold">
-                                          <p:stCondLst>
-                                            <p:cond delay="0"/>
-                                          </p:stCondLst>
-                                        </p:cTn>
-                                        <p:tgtEl>
-                                          <p:spTgt spid="3">
-                                            <p:txEl>
-                                              <p:pRg st="4" end="4"/>
-                                            </p:txEl>
-                                          </p:spTgt>
-                                        </p:tgtEl>
-                                        <p:attrNameLst>
-                                          <p:attrName>style.visibility</p:attrName>
-                                        </p:attrNameLst>
-                                      </p:cBhvr>
-                                      <p:to>
-                                        <p:strVal val="visible"/>
-                                      </p:to>
-                                    </p:set>
-                                  </p:childTnLst>
-                                </p:cTn>
-                              </p:par>
-                            </p:childTnLst>
-                          </p:cTn>
-                        </p:par>
-                      </p:childTnLst>
-                    </p:cTn>
-                  </p:par>
-                </p:childTnLst>
-              </p:cTn>
-              <p:prevCondLst>
-                <p:cond evt="onPrev" delay="0">
-                  <p:tgtEl>
-                    <p:sldTgt/>
-                  </p:tgtEl>
-                </p:cond>
-              </p:prevCondLst>
-              <p:nextCondLst>
-                <p:cond evt="onNext" delay="0">
-                  <p:tgtEl>
-                    <p:sldTgt/>
-                  </p:tgtEl>
-                </p:cond>
-              </p:nextCondLst>
-            </p:seq>
-          </p:childTnLst>
-        </p:cTn>
-      </p:par>
-    </p:tnLst>
-    <p:bldLst>
-      <p:bldP spid="3" grpId="0" build="p"/>
-    </p:bldLst>
-  </p:timing>
-</p:sld>
-</file>
-
-<file path=ppt/slides/slide20.xml><?xml version="1.0" encoding="utf-8"?>
+<file path=ppt/slides/slide17.xml><?xml version="1.0" encoding="utf-8"?>
 <p:sld xmlns:a="http://schemas.openxmlformats.org/drawingml/2006/main" xmlns:r="http://schemas.openxmlformats.org/officeDocument/2006/relationships" xmlns:p="http://schemas.openxmlformats.org/presentationml/2006/main">
   <p:cSld>
     <p:spTree>
@@ -7576,6 +7062,57 @@
           </a:fontRef>
         </p:style>
       </p:cxnSp>
+      <mc:AlternateContent xmlns:mc="http://schemas.openxmlformats.org/markup-compatibility/2006">
+        <mc:Choice xmlns:p14="http://schemas.microsoft.com/office/powerpoint/2010/main" Requires="p14">
+          <p:contentPart p14:bwMode="auto" r:id="rId3">
+            <p14:nvContentPartPr>
+              <p14:cNvPr id="5" name="Ink 4">
+                <a:extLst>
+                  <a:ext uri="{FF2B5EF4-FFF2-40B4-BE49-F238E27FC236}">
+                    <a16:creationId xmlns:a16="http://schemas.microsoft.com/office/drawing/2014/main" id="{7124FB3B-3958-C3BF-318D-1260AC410389}"/>
+                  </a:ext>
+                </a:extLst>
+              </p14:cNvPr>
+              <p14:cNvContentPartPr/>
+              <p14:nvPr/>
+            </p14:nvContentPartPr>
+            <p14:xfrm>
+              <a:off x="5168520" y="3650760"/>
+              <a:ext cx="6172920" cy="2083680"/>
+            </p14:xfrm>
+          </p:contentPart>
+        </mc:Choice>
+        <mc:Fallback>
+          <p:pic>
+            <p:nvPicPr>
+              <p:cNvPr id="5" name="Ink 4">
+                <a:extLst>
+                  <a:ext uri="{FF2B5EF4-FFF2-40B4-BE49-F238E27FC236}">
+                    <a16:creationId xmlns:a16="http://schemas.microsoft.com/office/drawing/2014/main" id="{7124FB3B-3958-C3BF-318D-1260AC410389}"/>
+                  </a:ext>
+                </a:extLst>
+              </p:cNvPr>
+              <p:cNvPicPr/>
+              <p:nvPr/>
+            </p:nvPicPr>
+            <p:blipFill>
+              <a:blip r:embed="rId4"/>
+              <a:stretch>
+                <a:fillRect/>
+              </a:stretch>
+            </p:blipFill>
+            <p:spPr>
+              <a:xfrm>
+                <a:off x="5159160" y="3641400"/>
+                <a:ext cx="6191640" cy="2102400"/>
+              </a:xfrm>
+              <a:prstGeom prst="rect">
+                <a:avLst/>
+              </a:prstGeom>
+            </p:spPr>
+          </p:pic>
+        </mc:Fallback>
+      </mc:AlternateContent>
     </p:spTree>
     <p:extLst>
       <p:ext uri="{BB962C8B-B14F-4D97-AF65-F5344CB8AC3E}">
@@ -7691,7 +7228,7 @@
 </p:sld>
 </file>
 
-<file path=ppt/slides/slide21.xml><?xml version="1.0" encoding="utf-8"?>
+<file path=ppt/slides/slide18.xml><?xml version="1.0" encoding="utf-8"?>
 <p:sld xmlns:a="http://schemas.openxmlformats.org/drawingml/2006/main" xmlns:r="http://schemas.openxmlformats.org/officeDocument/2006/relationships" xmlns:p="http://schemas.openxmlformats.org/presentationml/2006/main">
   <p:cSld>
     <p:spTree>
@@ -8038,7 +7575,7 @@
 </p:sld>
 </file>
 
-<file path=ppt/slides/slide22.xml><?xml version="1.0" encoding="utf-8"?>
+<file path=ppt/slides/slide19.xml><?xml version="1.0" encoding="utf-8"?>
 <p:sld xmlns:a="http://schemas.openxmlformats.org/drawingml/2006/main" xmlns:r="http://schemas.openxmlformats.org/officeDocument/2006/relationships" xmlns:p="http://schemas.openxmlformats.org/presentationml/2006/main">
   <p:cSld>
     <p:spTree>
@@ -8207,6 +7744,57 @@
           </a:fontRef>
         </p:style>
       </p:cxnSp>
+      <mc:AlternateContent xmlns:mc="http://schemas.openxmlformats.org/markup-compatibility/2006">
+        <mc:Choice xmlns:p14="http://schemas.microsoft.com/office/powerpoint/2010/main" Requires="p14">
+          <p:contentPart p14:bwMode="auto" r:id="rId3">
+            <p14:nvContentPartPr>
+              <p14:cNvPr id="6" name="Ink 5">
+                <a:extLst>
+                  <a:ext uri="{FF2B5EF4-FFF2-40B4-BE49-F238E27FC236}">
+                    <a16:creationId xmlns:a16="http://schemas.microsoft.com/office/drawing/2014/main" id="{33D460CF-FA9A-B8C9-D736-14751EF0266C}"/>
+                  </a:ext>
+                </a:extLst>
+              </p14:cNvPr>
+              <p14:cNvContentPartPr/>
+              <p14:nvPr/>
+            </p14:nvContentPartPr>
+            <p14:xfrm>
+              <a:off x="6477120" y="4349880"/>
+              <a:ext cx="451080" cy="298800"/>
+            </p14:xfrm>
+          </p:contentPart>
+        </mc:Choice>
+        <mc:Fallback>
+          <p:pic>
+            <p:nvPicPr>
+              <p:cNvPr id="6" name="Ink 5">
+                <a:extLst>
+                  <a:ext uri="{FF2B5EF4-FFF2-40B4-BE49-F238E27FC236}">
+                    <a16:creationId xmlns:a16="http://schemas.microsoft.com/office/drawing/2014/main" id="{33D460CF-FA9A-B8C9-D736-14751EF0266C}"/>
+                  </a:ext>
+                </a:extLst>
+              </p:cNvPr>
+              <p:cNvPicPr/>
+              <p:nvPr/>
+            </p:nvPicPr>
+            <p:blipFill>
+              <a:blip r:embed="rId4"/>
+              <a:stretch>
+                <a:fillRect/>
+              </a:stretch>
+            </p:blipFill>
+            <p:spPr>
+              <a:xfrm>
+                <a:off x="6467760" y="4340520"/>
+                <a:ext cx="469800" cy="317520"/>
+              </a:xfrm>
+              <a:prstGeom prst="rect">
+                <a:avLst/>
+              </a:prstGeom>
+            </p:spPr>
+          </p:pic>
+        </mc:Fallback>
+      </mc:AlternateContent>
     </p:spTree>
     <p:extLst>
       <p:ext uri="{BB962C8B-B14F-4D97-AF65-F5344CB8AC3E}">
@@ -8295,7 +7883,367 @@
 </p:sld>
 </file>
 
-<file path=ppt/slides/slide23.xml><?xml version="1.0" encoding="utf-8"?>
+<file path=ppt/slides/slide2.xml><?xml version="1.0" encoding="utf-8"?>
+<p:sld xmlns:a="http://schemas.openxmlformats.org/drawingml/2006/main" xmlns:r="http://schemas.openxmlformats.org/officeDocument/2006/relationships" xmlns:p="http://schemas.openxmlformats.org/presentationml/2006/main">
+  <p:cSld>
+    <p:spTree>
+      <p:nvGrpSpPr>
+        <p:cNvPr id="1" name=""/>
+        <p:cNvGrpSpPr/>
+        <p:nvPr/>
+      </p:nvGrpSpPr>
+      <p:grpSpPr>
+        <a:xfrm>
+          <a:off x="0" y="0"/>
+          <a:ext cx="0" cy="0"/>
+          <a:chOff x="0" y="0"/>
+          <a:chExt cx="0" cy="0"/>
+        </a:xfrm>
+      </p:grpSpPr>
+      <p:sp>
+        <p:nvSpPr>
+          <p:cNvPr id="2" name="Title 1">
+            <a:extLst>
+              <a:ext uri="{FF2B5EF4-FFF2-40B4-BE49-F238E27FC236}">
+                <a16:creationId xmlns:a16="http://schemas.microsoft.com/office/drawing/2014/main" id="{A5D94323-83AB-4746-BBA6-E5E7F9A73DEE}"/>
+              </a:ext>
+            </a:extLst>
+          </p:cNvPr>
+          <p:cNvSpPr>
+            <a:spLocks noGrp="1"/>
+          </p:cNvSpPr>
+          <p:nvPr>
+            <p:ph type="title"/>
+          </p:nvPr>
+        </p:nvSpPr>
+        <p:spPr/>
+        <p:txBody>
+          <a:bodyPr/>
+          <a:lstStyle/>
+          <a:p>
+            <a:r>
+              <a:rPr lang="en-US" dirty="0"/>
+              <a:t>Mediation and Moderation</a:t>
+            </a:r>
+          </a:p>
+        </p:txBody>
+      </p:sp>
+      <p:sp>
+        <p:nvSpPr>
+          <p:cNvPr id="3" name="Content Placeholder 2">
+            <a:extLst>
+              <a:ext uri="{FF2B5EF4-FFF2-40B4-BE49-F238E27FC236}">
+                <a16:creationId xmlns:a16="http://schemas.microsoft.com/office/drawing/2014/main" id="{8FAF118F-1EDC-5D44-A82D-729B961F45AE}"/>
+              </a:ext>
+            </a:extLst>
+          </p:cNvPr>
+          <p:cNvSpPr>
+            <a:spLocks noGrp="1"/>
+          </p:cNvSpPr>
+          <p:nvPr>
+            <p:ph idx="1"/>
+          </p:nvPr>
+        </p:nvSpPr>
+        <p:spPr/>
+        <p:txBody>
+          <a:bodyPr>
+            <a:normAutofit fontScale="92500" lnSpcReduction="10000"/>
+          </a:bodyPr>
+          <a:lstStyle/>
+          <a:p>
+            <a:r>
+              <a:rPr lang="en-US" sz="3200" dirty="0"/>
+              <a:t>Most of the time we ask whether x affects y (or relates to y)</a:t>
+            </a:r>
+          </a:p>
+          <a:p>
+            <a:endParaRPr lang="en-US" sz="3200" dirty="0"/>
+          </a:p>
+          <a:p>
+            <a:r>
+              <a:rPr lang="en-US" sz="3200" dirty="0"/>
+              <a:t>Moderation analysis asks </a:t>
+            </a:r>
+            <a:r>
+              <a:rPr lang="en-US" sz="3200" b="1" dirty="0"/>
+              <a:t>when/for whom</a:t>
+            </a:r>
+            <a:r>
+              <a:rPr lang="en-US" sz="3200" dirty="0"/>
+              <a:t> x exerts its affect on y (or relates to y)</a:t>
+            </a:r>
+          </a:p>
+          <a:p>
+            <a:endParaRPr lang="en-US" sz="3200" dirty="0"/>
+          </a:p>
+          <a:p>
+            <a:r>
+              <a:rPr lang="en-US" sz="3200" dirty="0"/>
+              <a:t>Mediation analysis asks </a:t>
+            </a:r>
+            <a:r>
+              <a:rPr lang="en-US" sz="3200" b="1" dirty="0"/>
+              <a:t>how/why</a:t>
+            </a:r>
+            <a:r>
+              <a:rPr lang="en-US" sz="3200" dirty="0"/>
+              <a:t> x exerts its affect on y (a causal chain is implied)</a:t>
+            </a:r>
+          </a:p>
+          <a:p>
+            <a:endParaRPr lang="en-US" sz="3200" dirty="0"/>
+          </a:p>
+          <a:p>
+            <a:r>
+              <a:rPr lang="en-US" sz="3200" dirty="0"/>
+              <a:t>This is also called conditional process analysis</a:t>
+            </a:r>
+          </a:p>
+        </p:txBody>
+      </p:sp>
+    </p:spTree>
+    <p:extLst>
+      <p:ext uri="{BB962C8B-B14F-4D97-AF65-F5344CB8AC3E}">
+        <p14:creationId xmlns:p14="http://schemas.microsoft.com/office/powerpoint/2010/main" val="4016128327"/>
+      </p:ext>
+    </p:extLst>
+  </p:cSld>
+  <p:clrMapOvr>
+    <a:masterClrMapping/>
+  </p:clrMapOvr>
+  <p:timing>
+    <p:tnLst>
+      <p:par>
+        <p:cTn id="1" dur="indefinite" restart="never" nodeType="tmRoot">
+          <p:childTnLst>
+            <p:seq concurrent="1" nextAc="seek">
+              <p:cTn id="2" dur="indefinite" nodeType="mainSeq">
+                <p:childTnLst>
+                  <p:par>
+                    <p:cTn id="3" fill="hold">
+                      <p:stCondLst>
+                        <p:cond delay="indefinite"/>
+                      </p:stCondLst>
+                      <p:childTnLst>
+                        <p:par>
+                          <p:cTn id="4" fill="hold">
+                            <p:stCondLst>
+                              <p:cond delay="0"/>
+                            </p:stCondLst>
+                            <p:childTnLst>
+                              <p:par>
+                                <p:cTn id="5" presetID="1" presetClass="entr" presetSubtype="0" fill="hold" grpId="0" nodeType="clickEffect">
+                                  <p:stCondLst>
+                                    <p:cond delay="0"/>
+                                  </p:stCondLst>
+                                  <p:childTnLst>
+                                    <p:set>
+                                      <p:cBhvr>
+                                        <p:cTn id="6" dur="1" fill="hold">
+                                          <p:stCondLst>
+                                            <p:cond delay="0"/>
+                                          </p:stCondLst>
+                                        </p:cTn>
+                                        <p:tgtEl>
+                                          <p:spTgt spid="3">
+                                            <p:txEl>
+                                              <p:pRg st="0" end="0"/>
+                                            </p:txEl>
+                                          </p:spTgt>
+                                        </p:tgtEl>
+                                        <p:attrNameLst>
+                                          <p:attrName>style.visibility</p:attrName>
+                                        </p:attrNameLst>
+                                      </p:cBhvr>
+                                      <p:to>
+                                        <p:strVal val="visible"/>
+                                      </p:to>
+                                    </p:set>
+                                  </p:childTnLst>
+                                </p:cTn>
+                              </p:par>
+                            </p:childTnLst>
+                          </p:cTn>
+                        </p:par>
+                      </p:childTnLst>
+                    </p:cTn>
+                  </p:par>
+                  <p:par>
+                    <p:cTn id="7" fill="hold">
+                      <p:stCondLst>
+                        <p:cond delay="indefinite"/>
+                      </p:stCondLst>
+                      <p:childTnLst>
+                        <p:par>
+                          <p:cTn id="8" fill="hold">
+                            <p:stCondLst>
+                              <p:cond delay="0"/>
+                            </p:stCondLst>
+                            <p:childTnLst>
+                              <p:par>
+                                <p:cTn id="9" presetID="1" presetClass="entr" presetSubtype="0" fill="hold" grpId="0" nodeType="clickEffect">
+                                  <p:stCondLst>
+                                    <p:cond delay="0"/>
+                                  </p:stCondLst>
+                                  <p:childTnLst>
+                                    <p:set>
+                                      <p:cBhvr>
+                                        <p:cTn id="10" dur="1" fill="hold">
+                                          <p:stCondLst>
+                                            <p:cond delay="0"/>
+                                          </p:stCondLst>
+                                        </p:cTn>
+                                        <p:tgtEl>
+                                          <p:spTgt spid="3">
+                                            <p:txEl>
+                                              <p:pRg st="2" end="2"/>
+                                            </p:txEl>
+                                          </p:spTgt>
+                                        </p:tgtEl>
+                                        <p:attrNameLst>
+                                          <p:attrName>style.visibility</p:attrName>
+                                        </p:attrNameLst>
+                                      </p:cBhvr>
+                                      <p:to>
+                                        <p:strVal val="visible"/>
+                                      </p:to>
+                                    </p:set>
+                                  </p:childTnLst>
+                                </p:cTn>
+                              </p:par>
+                            </p:childTnLst>
+                          </p:cTn>
+                        </p:par>
+                      </p:childTnLst>
+                    </p:cTn>
+                  </p:par>
+                  <p:par>
+                    <p:cTn id="11" fill="hold">
+                      <p:stCondLst>
+                        <p:cond delay="indefinite"/>
+                      </p:stCondLst>
+                      <p:childTnLst>
+                        <p:par>
+                          <p:cTn id="12" fill="hold">
+                            <p:stCondLst>
+                              <p:cond delay="0"/>
+                            </p:stCondLst>
+                            <p:childTnLst>
+                              <p:par>
+                                <p:cTn id="13" presetID="1" presetClass="entr" presetSubtype="0" fill="hold" grpId="0" nodeType="clickEffect">
+                                  <p:stCondLst>
+                                    <p:cond delay="0"/>
+                                  </p:stCondLst>
+                                  <p:childTnLst>
+                                    <p:set>
+                                      <p:cBhvr>
+                                        <p:cTn id="14" dur="1" fill="hold">
+                                          <p:stCondLst>
+                                            <p:cond delay="0"/>
+                                          </p:stCondLst>
+                                        </p:cTn>
+                                        <p:tgtEl>
+                                          <p:spTgt spid="3">
+                                            <p:txEl>
+                                              <p:pRg st="4" end="4"/>
+                                            </p:txEl>
+                                          </p:spTgt>
+                                        </p:tgtEl>
+                                        <p:attrNameLst>
+                                          <p:attrName>style.visibility</p:attrName>
+                                        </p:attrNameLst>
+                                      </p:cBhvr>
+                                      <p:to>
+                                        <p:strVal val="visible"/>
+                                      </p:to>
+                                    </p:set>
+                                  </p:childTnLst>
+                                </p:cTn>
+                              </p:par>
+                            </p:childTnLst>
+                          </p:cTn>
+                        </p:par>
+                      </p:childTnLst>
+                    </p:cTn>
+                  </p:par>
+                  <p:par>
+                    <p:cTn id="15" fill="hold">
+                      <p:stCondLst>
+                        <p:cond delay="indefinite"/>
+                      </p:stCondLst>
+                      <p:childTnLst>
+                        <p:par>
+                          <p:cTn id="16" fill="hold">
+                            <p:stCondLst>
+                              <p:cond delay="0"/>
+                            </p:stCondLst>
+                            <p:childTnLst>
+                              <p:par>
+                                <p:cTn id="17" presetID="1" presetClass="entr" presetSubtype="0" fill="hold" grpId="0" nodeType="clickEffect">
+                                  <p:stCondLst>
+                                    <p:cond delay="0"/>
+                                  </p:stCondLst>
+                                  <p:childTnLst>
+                                    <p:set>
+                                      <p:cBhvr>
+                                        <p:cTn id="18" dur="1" fill="hold">
+                                          <p:stCondLst>
+                                            <p:cond delay="0"/>
+                                          </p:stCondLst>
+                                        </p:cTn>
+                                        <p:tgtEl>
+                                          <p:spTgt spid="3">
+                                            <p:txEl>
+                                              <p:pRg st="6" end="6"/>
+                                            </p:txEl>
+                                          </p:spTgt>
+                                        </p:tgtEl>
+                                        <p:attrNameLst>
+                                          <p:attrName>style.visibility</p:attrName>
+                                        </p:attrNameLst>
+                                      </p:cBhvr>
+                                      <p:to>
+                                        <p:strVal val="visible"/>
+                                      </p:to>
+                                    </p:set>
+                                  </p:childTnLst>
+                                </p:cTn>
+                              </p:par>
+                            </p:childTnLst>
+                          </p:cTn>
+                        </p:par>
+                      </p:childTnLst>
+                    </p:cTn>
+                  </p:par>
+                </p:childTnLst>
+              </p:cTn>
+              <p:prevCondLst>
+                <p:cond evt="onPrev" delay="0">
+                  <p:tgtEl>
+                    <p:sldTgt/>
+                  </p:tgtEl>
+                </p:cond>
+              </p:prevCondLst>
+              <p:nextCondLst>
+                <p:cond evt="onNext" delay="0">
+                  <p:tgtEl>
+                    <p:sldTgt/>
+                  </p:tgtEl>
+                </p:cond>
+              </p:nextCondLst>
+            </p:seq>
+          </p:childTnLst>
+        </p:cTn>
+      </p:par>
+    </p:tnLst>
+    <p:bldLst>
+      <p:bldP spid="3" grpId="0" build="p"/>
+    </p:bldLst>
+  </p:timing>
+</p:sld>
+</file>
+
+<file path=ppt/slides/slide20.xml><?xml version="1.0" encoding="utf-8"?>
 <p:sld xmlns:a="http://schemas.openxmlformats.org/drawingml/2006/main" xmlns:r="http://schemas.openxmlformats.org/officeDocument/2006/relationships" xmlns:p="http://schemas.openxmlformats.org/presentationml/2006/main">
   <p:cSld>
     <p:spTree>
@@ -8455,6 +8403,57 @@
           </a:fontRef>
         </p:style>
       </p:cxnSp>
+      <mc:AlternateContent xmlns:mc="http://schemas.openxmlformats.org/markup-compatibility/2006">
+        <mc:Choice xmlns:p14="http://schemas.microsoft.com/office/powerpoint/2010/main" Requires="p14">
+          <p:contentPart p14:bwMode="auto" r:id="rId3">
+            <p14:nvContentPartPr>
+              <p14:cNvPr id="6" name="Ink 5">
+                <a:extLst>
+                  <a:ext uri="{FF2B5EF4-FFF2-40B4-BE49-F238E27FC236}">
+                    <a16:creationId xmlns:a16="http://schemas.microsoft.com/office/drawing/2014/main" id="{7BA191A3-1B3B-BE8E-F371-526025798163}"/>
+                  </a:ext>
+                </a:extLst>
+              </p14:cNvPr>
+              <p14:cNvContentPartPr/>
+              <p14:nvPr/>
+            </p14:nvContentPartPr>
+            <p14:xfrm>
+              <a:off x="9619920" y="4280040"/>
+              <a:ext cx="521280" cy="343080"/>
+            </p14:xfrm>
+          </p:contentPart>
+        </mc:Choice>
+        <mc:Fallback>
+          <p:pic>
+            <p:nvPicPr>
+              <p:cNvPr id="6" name="Ink 5">
+                <a:extLst>
+                  <a:ext uri="{FF2B5EF4-FFF2-40B4-BE49-F238E27FC236}">
+                    <a16:creationId xmlns:a16="http://schemas.microsoft.com/office/drawing/2014/main" id="{7BA191A3-1B3B-BE8E-F371-526025798163}"/>
+                  </a:ext>
+                </a:extLst>
+              </p:cNvPr>
+              <p:cNvPicPr/>
+              <p:nvPr/>
+            </p:nvPicPr>
+            <p:blipFill>
+              <a:blip r:embed="rId4"/>
+              <a:stretch>
+                <a:fillRect/>
+              </a:stretch>
+            </p:blipFill>
+            <p:spPr>
+              <a:xfrm>
+                <a:off x="9610560" y="4270680"/>
+                <a:ext cx="540000" cy="361800"/>
+              </a:xfrm>
+              <a:prstGeom prst="rect">
+                <a:avLst/>
+              </a:prstGeom>
+            </p:spPr>
+          </p:pic>
+        </mc:Fallback>
+      </mc:AlternateContent>
     </p:spTree>
     <p:extLst>
       <p:ext uri="{BB962C8B-B14F-4D97-AF65-F5344CB8AC3E}">
@@ -8543,7 +8542,7 @@
 </p:sld>
 </file>
 
-<file path=ppt/slides/slide24.xml><?xml version="1.0" encoding="utf-8"?>
+<file path=ppt/slides/slide21.xml><?xml version="1.0" encoding="utf-8"?>
 <p:sld xmlns:a="http://schemas.openxmlformats.org/drawingml/2006/main" xmlns:r="http://schemas.openxmlformats.org/officeDocument/2006/relationships" xmlns:p="http://schemas.openxmlformats.org/presentationml/2006/main">
   <p:cSld>
     <p:spTree>
@@ -8745,6 +8744,57 @@
           </a:fontRef>
         </p:style>
       </p:cxnSp>
+      <mc:AlternateContent xmlns:mc="http://schemas.openxmlformats.org/markup-compatibility/2006">
+        <mc:Choice xmlns:p14="http://schemas.microsoft.com/office/powerpoint/2010/main" Requires="p14">
+          <p:contentPart p14:bwMode="auto" r:id="rId3">
+            <p14:nvContentPartPr>
+              <p14:cNvPr id="7" name="Ink 6">
+                <a:extLst>
+                  <a:ext uri="{FF2B5EF4-FFF2-40B4-BE49-F238E27FC236}">
+                    <a16:creationId xmlns:a16="http://schemas.microsoft.com/office/drawing/2014/main" id="{EAD92767-1707-A018-49C3-AFE3E5B81883}"/>
+                  </a:ext>
+                </a:extLst>
+              </p14:cNvPr>
+              <p14:cNvContentPartPr/>
+              <p14:nvPr/>
+            </p14:nvContentPartPr>
+            <p14:xfrm>
+              <a:off x="8115480" y="2234520"/>
+              <a:ext cx="628920" cy="3366720"/>
+            </p14:xfrm>
+          </p:contentPart>
+        </mc:Choice>
+        <mc:Fallback>
+          <p:pic>
+            <p:nvPicPr>
+              <p:cNvPr id="7" name="Ink 6">
+                <a:extLst>
+                  <a:ext uri="{FF2B5EF4-FFF2-40B4-BE49-F238E27FC236}">
+                    <a16:creationId xmlns:a16="http://schemas.microsoft.com/office/drawing/2014/main" id="{EAD92767-1707-A018-49C3-AFE3E5B81883}"/>
+                  </a:ext>
+                </a:extLst>
+              </p:cNvPr>
+              <p:cNvPicPr/>
+              <p:nvPr/>
+            </p:nvPicPr>
+            <p:blipFill>
+              <a:blip r:embed="rId4"/>
+              <a:stretch>
+                <a:fillRect/>
+              </a:stretch>
+            </p:blipFill>
+            <p:spPr>
+              <a:xfrm>
+                <a:off x="8106120" y="2225160"/>
+                <a:ext cx="647640" cy="3385440"/>
+              </a:xfrm>
+              <a:prstGeom prst="rect">
+                <a:avLst/>
+              </a:prstGeom>
+            </p:spPr>
+          </p:pic>
+        </mc:Fallback>
+      </mc:AlternateContent>
     </p:spTree>
     <p:extLst>
       <p:ext uri="{BB962C8B-B14F-4D97-AF65-F5344CB8AC3E}">
@@ -8758,7 +8808,7 @@
 </p:sld>
 </file>
 
-<file path=ppt/slides/slide25.xml><?xml version="1.0" encoding="utf-8"?>
+<file path=ppt/slides/slide22.xml><?xml version="1.0" encoding="utf-8"?>
 <p:sld xmlns:a="http://schemas.openxmlformats.org/drawingml/2006/main" xmlns:r="http://schemas.openxmlformats.org/officeDocument/2006/relationships" xmlns:p="http://schemas.openxmlformats.org/presentationml/2006/main">
   <p:cSld>
     <p:spTree>
@@ -8929,7 +8979,7 @@
 </p:sld>
 </file>
 
-<file path=ppt/slides/slide26.xml><?xml version="1.0" encoding="utf-8"?>
+<file path=ppt/slides/slide23.xml><?xml version="1.0" encoding="utf-8"?>
 <p:sld xmlns:a="http://schemas.openxmlformats.org/drawingml/2006/main" xmlns:r="http://schemas.openxmlformats.org/officeDocument/2006/relationships" xmlns:p="http://schemas.openxmlformats.org/presentationml/2006/main">
   <p:cSld>
     <p:spTree>
@@ -9238,7 +9288,7 @@
 </p:sld>
 </file>
 
-<file path=ppt/slides/slide27.xml><?xml version="1.0" encoding="utf-8"?>
+<file path=ppt/slides/slide24.xml><?xml version="1.0" encoding="utf-8"?>
 <p:sld xmlns:a="http://schemas.openxmlformats.org/drawingml/2006/main" xmlns:r="http://schemas.openxmlformats.org/officeDocument/2006/relationships" xmlns:p="http://schemas.openxmlformats.org/presentationml/2006/main">
   <p:cSld>
     <p:spTree>
@@ -9533,7 +9583,7 @@
 </p:sld>
 </file>
 
-<file path=ppt/slides/slide28.xml><?xml version="1.0" encoding="utf-8"?>
+<file path=ppt/slides/slide25.xml><?xml version="1.0" encoding="utf-8"?>
 <p:sld xmlns:a="http://schemas.openxmlformats.org/drawingml/2006/main" xmlns:r="http://schemas.openxmlformats.org/officeDocument/2006/relationships" xmlns:p="http://schemas.openxmlformats.org/presentationml/2006/main">
   <p:cSld>
     <p:spTree>
@@ -9612,13 +9662,8 @@
           <a:p>
             <a:r>
               <a:rPr lang="en-US" sz="3200" dirty="0"/>
-              <a:t>Let’s do </a:t>
-            </a:r>
-            <a:r>
-              <a:rPr lang="en-US" sz="3200"/>
-              <a:t>it…</a:t>
-            </a:r>
-            <a:endParaRPr lang="en-US" sz="3200" dirty="0"/>
+              <a:t>That’s what you did …</a:t>
+            </a:r>
           </a:p>
         </p:txBody>
       </p:sp>
@@ -9766,6 +9811,324 @@
 </p:sld>
 </file>
 
+<file path=ppt/slides/slide26.xml><?xml version="1.0" encoding="utf-8"?>
+<p:sld xmlns:a="http://schemas.openxmlformats.org/drawingml/2006/main" xmlns:r="http://schemas.openxmlformats.org/officeDocument/2006/relationships" xmlns:p="http://schemas.openxmlformats.org/presentationml/2006/main">
+  <p:cSld>
+    <p:spTree>
+      <p:nvGrpSpPr>
+        <p:cNvPr id="1" name=""/>
+        <p:cNvGrpSpPr/>
+        <p:nvPr/>
+      </p:nvGrpSpPr>
+      <p:grpSpPr>
+        <a:xfrm>
+          <a:off x="0" y="0"/>
+          <a:ext cx="0" cy="0"/>
+          <a:chOff x="0" y="0"/>
+          <a:chExt cx="0" cy="0"/>
+        </a:xfrm>
+      </p:grpSpPr>
+      <p:sp>
+        <p:nvSpPr>
+          <p:cNvPr id="3" name="Content Placeholder 2">
+            <a:extLst>
+              <a:ext uri="{FF2B5EF4-FFF2-40B4-BE49-F238E27FC236}">
+                <a16:creationId xmlns:a16="http://schemas.microsoft.com/office/drawing/2014/main" id="{C6F73CED-251B-3665-111F-2BC3388D6B4F}"/>
+              </a:ext>
+            </a:extLst>
+          </p:cNvPr>
+          <p:cNvSpPr>
+            <a:spLocks noGrp="1"/>
+          </p:cNvSpPr>
+          <p:nvPr>
+            <p:ph idx="1"/>
+          </p:nvPr>
+        </p:nvSpPr>
+        <p:spPr>
+          <a:xfrm>
+            <a:off x="0" y="483326"/>
+            <a:ext cx="12096206" cy="6087291"/>
+          </a:xfrm>
+        </p:spPr>
+        <p:txBody>
+          <a:bodyPr>
+            <a:normAutofit fontScale="77500" lnSpcReduction="20000"/>
+          </a:bodyPr>
+          <a:lstStyle/>
+          <a:p>
+            <a:r>
+              <a:rPr lang="en-US" sz="3400" dirty="0"/>
+              <a:t>From Fairchild &amp; McDaniel (2017): </a:t>
+            </a:r>
+            <a:r>
+              <a:rPr lang="en-US" sz="3400" b="0" i="0" dirty="0">
+                <a:solidFill>
+                  <a:srgbClr val="2A2A2A"/>
+                </a:solidFill>
+                <a:effectLst/>
+              </a:rPr>
+              <a:t>Best (but oft-forgotten) practices: mediation analysis. </a:t>
+            </a:r>
+            <a:r>
+              <a:rPr lang="en-US" sz="3400" b="0" i="1" dirty="0">
+                <a:solidFill>
+                  <a:srgbClr val="2A2A2A"/>
+                </a:solidFill>
+                <a:effectLst/>
+              </a:rPr>
+              <a:t>The American Journal of Clinical </a:t>
+            </a:r>
+            <a:r>
+              <a:rPr lang="en-US" sz="3400" b="0" i="1" dirty="0" err="1">
+                <a:solidFill>
+                  <a:srgbClr val="2A2A2A"/>
+                </a:solidFill>
+                <a:effectLst/>
+              </a:rPr>
+              <a:t>Nutrition</a:t>
+            </a:r>
+            <a:r>
+              <a:rPr lang="en-US" sz="3400" b="0" i="0" dirty="0" err="1">
+                <a:solidFill>
+                  <a:srgbClr val="2A2A2A"/>
+                </a:solidFill>
+                <a:effectLst/>
+              </a:rPr>
+              <a:t>,</a:t>
+            </a:r>
+            <a:r>
+              <a:rPr lang="en-US" sz="3400" b="0" i="0" u="none" strike="noStrike" dirty="0" err="1">
+                <a:solidFill>
+                  <a:srgbClr val="006FB7"/>
+                </a:solidFill>
+                <a:effectLst/>
+                <a:hlinkClick r:id="rId3"/>
+              </a:rPr>
+              <a:t>https</a:t>
+            </a:r>
+            <a:r>
+              <a:rPr lang="en-US" sz="3400" b="0" i="0" u="none" strike="noStrike" dirty="0">
+                <a:solidFill>
+                  <a:srgbClr val="006FB7"/>
+                </a:solidFill>
+                <a:effectLst/>
+                <a:hlinkClick r:id="rId3"/>
+              </a:rPr>
+              <a:t>://doi.org/10.3945/ajcn.117.152546</a:t>
+            </a:r>
+            <a:r>
+              <a:rPr lang="en-US" sz="3400" dirty="0"/>
+              <a:t> “</a:t>
+            </a:r>
+            <a:r>
+              <a:rPr lang="en-US" sz="3400" b="0" i="0" dirty="0">
+                <a:solidFill>
+                  <a:srgbClr val="2A2A2A"/>
+                </a:solidFill>
+                <a:effectLst/>
+              </a:rPr>
+              <a:t>cross-sectional sample data can indicate support for mediation effects when there is no true mediation process in the population (</a:t>
+            </a:r>
+            <a:r>
+              <a:rPr lang="en-US" sz="3400" b="0" i="0" u="none" strike="noStrike" dirty="0">
+                <a:solidFill>
+                  <a:srgbClr val="006FB7"/>
+                </a:solidFill>
+                <a:effectLst/>
+              </a:rPr>
+              <a:t>92</a:t>
+            </a:r>
+            <a:r>
+              <a:rPr lang="en-US" sz="3400" b="0" i="0" dirty="0">
+                <a:solidFill>
+                  <a:srgbClr val="2A2A2A"/>
+                </a:solidFill>
+                <a:effectLst/>
+              </a:rPr>
+              <a:t>). These findings are not to say that it is impossible to examine mediation hypotheses with data that are collected at one point in time; however, there is an onus on the researcher to provide a compelling rationale that temporal ordering of the examined variables is correct (</a:t>
+            </a:r>
+            <a:r>
+              <a:rPr lang="en-US" sz="3400" b="0" i="0" u="none" strike="noStrike" dirty="0">
+                <a:solidFill>
+                  <a:srgbClr val="006FB7"/>
+                </a:solidFill>
+                <a:effectLst/>
+              </a:rPr>
+              <a:t>93</a:t>
+            </a:r>
+            <a:r>
+              <a:rPr lang="en-US" sz="3400" b="0" i="0" dirty="0">
+                <a:solidFill>
+                  <a:srgbClr val="2A2A2A"/>
+                </a:solidFill>
+                <a:effectLst/>
+              </a:rPr>
+              <a:t>, </a:t>
+            </a:r>
+            <a:r>
+              <a:rPr lang="en-US" sz="3400" b="0" i="0" u="none" strike="noStrike" dirty="0">
+                <a:solidFill>
+                  <a:srgbClr val="006FB7"/>
+                </a:solidFill>
+                <a:effectLst/>
+              </a:rPr>
+              <a:t>94</a:t>
+            </a:r>
+            <a:r>
+              <a:rPr lang="en-US" sz="3400" b="0" i="0" dirty="0">
+                <a:solidFill>
+                  <a:srgbClr val="2A2A2A"/>
+                </a:solidFill>
+                <a:effectLst/>
+              </a:rPr>
+              <a:t>). Indeed, Kenny and colleagues (</a:t>
+            </a:r>
+            <a:r>
+              <a:rPr lang="en-US" sz="3400" b="0" i="0" u="none" strike="noStrike" dirty="0">
+                <a:solidFill>
+                  <a:srgbClr val="006FB7"/>
+                </a:solidFill>
+                <a:effectLst/>
+              </a:rPr>
+              <a:t>10</a:t>
+            </a:r>
+            <a:r>
+              <a:rPr lang="en-US" sz="3400" b="0" i="0" dirty="0">
+                <a:solidFill>
+                  <a:srgbClr val="2A2A2A"/>
+                </a:solidFill>
+                <a:effectLst/>
+              </a:rPr>
+              <a:t>, </a:t>
+            </a:r>
+            <a:r>
+              <a:rPr lang="en-US" sz="3400" b="0" i="0" u="none" strike="noStrike" dirty="0">
+                <a:solidFill>
+                  <a:srgbClr val="006FB7"/>
+                </a:solidFill>
+                <a:effectLst/>
+              </a:rPr>
+              <a:t>11</a:t>
+            </a:r>
+            <a:r>
+              <a:rPr lang="en-US" sz="3400" b="0" i="0" dirty="0">
+                <a:solidFill>
+                  <a:srgbClr val="2A2A2A"/>
+                </a:solidFill>
+                <a:effectLst/>
+              </a:rPr>
+              <a:t>) emphasized in early work that mediation analysis should not be conducted unless the temporal ordering of the variables is clear. Examining mediation hypotheses with cross-sectional data may be reasonable, for example, if measured variables can reflect nearly instantaneous processes, such as may be the case with some pharmacokinetics work, or imply timing by nature of their construction (</a:t>
+            </a:r>
+            <a:r>
+              <a:rPr lang="en-US" sz="3400" b="0" i="0" u="none" strike="noStrike" dirty="0">
+                <a:solidFill>
+                  <a:srgbClr val="006FB7"/>
+                </a:solidFill>
+                <a:effectLst/>
+              </a:rPr>
+              <a:t>18</a:t>
+            </a:r>
+            <a:r>
+              <a:rPr lang="en-US" sz="3400" b="0" i="0" dirty="0">
+                <a:solidFill>
+                  <a:srgbClr val="2A2A2A"/>
+                </a:solidFill>
+                <a:effectLst/>
+              </a:rPr>
+              <a:t>, </a:t>
+            </a:r>
+            <a:r>
+              <a:rPr lang="en-US" sz="3400" b="0" i="0" u="none" strike="noStrike" dirty="0">
+                <a:solidFill>
+                  <a:srgbClr val="006FB7"/>
+                </a:solidFill>
+                <a:effectLst/>
+              </a:rPr>
+              <a:t>93</a:t>
+            </a:r>
+            <a:r>
+              <a:rPr lang="en-US" sz="3400" b="0" i="0" dirty="0">
+                <a:solidFill>
+                  <a:srgbClr val="2A2A2A"/>
+                </a:solidFill>
+                <a:effectLst/>
+              </a:rPr>
+              <a:t>). Consider a research scenario in which the mediating role of parental food monitoring during an individual’s adolescence (</a:t>
+            </a:r>
+            <a:r>
+              <a:rPr lang="en-US" sz="3400" b="0" i="1" dirty="0">
+                <a:solidFill>
+                  <a:srgbClr val="2A2A2A"/>
+                </a:solidFill>
+                <a:effectLst/>
+              </a:rPr>
+              <a:t>M</a:t>
+            </a:r>
+            <a:r>
+              <a:rPr lang="en-US" sz="3400" b="0" i="0" dirty="0">
+                <a:solidFill>
+                  <a:srgbClr val="2A2A2A"/>
+                </a:solidFill>
+                <a:effectLst/>
+              </a:rPr>
+              <a:t>) is posited to explain the impact of parental childhood obesity (</a:t>
+            </a:r>
+            <a:r>
+              <a:rPr lang="en-US" sz="3400" b="0" i="1" dirty="0">
+                <a:solidFill>
+                  <a:srgbClr val="2A2A2A"/>
+                </a:solidFill>
+                <a:effectLst/>
+              </a:rPr>
+              <a:t>X</a:t>
+            </a:r>
+            <a:r>
+              <a:rPr lang="en-US" sz="3400" b="0" i="0" dirty="0">
+                <a:solidFill>
+                  <a:srgbClr val="2A2A2A"/>
+                </a:solidFill>
+                <a:effectLst/>
+              </a:rPr>
+              <a:t>) on subjects’ current obesity status (</a:t>
+            </a:r>
+            <a:r>
+              <a:rPr lang="en-US" sz="3400" b="0" i="1" dirty="0">
+                <a:solidFill>
+                  <a:srgbClr val="2A2A2A"/>
+                </a:solidFill>
+                <a:effectLst/>
+              </a:rPr>
+              <a:t>Y</a:t>
+            </a:r>
+            <a:r>
+              <a:rPr lang="en-US" sz="3400" b="0" i="0" dirty="0">
+                <a:solidFill>
+                  <a:srgbClr val="2A2A2A"/>
+                </a:solidFill>
+                <a:effectLst/>
+              </a:rPr>
+              <a:t>). Although one may garner this information from participants at a single measurement occasion, it may be sensible to argue temporal precedence of the variables in a causal chain given the chronological nature of the constructs. Researchers should be mindful of potential retrospective reporting bias in these cases, however.”</a:t>
+            </a:r>
+            <a:endParaRPr lang="en-US" sz="3400" dirty="0"/>
+          </a:p>
+          <a:p>
+            <a:endParaRPr lang="en-US" dirty="0"/>
+          </a:p>
+        </p:txBody>
+      </p:sp>
+    </p:spTree>
+    <p:extLst>
+      <p:ext uri="{BB962C8B-B14F-4D97-AF65-F5344CB8AC3E}">
+        <p14:creationId xmlns:p14="http://schemas.microsoft.com/office/powerpoint/2010/main" val="1316173624"/>
+      </p:ext>
+    </p:extLst>
+  </p:cSld>
+  <p:clrMapOvr>
+    <a:masterClrMapping/>
+  </p:clrMapOvr>
+</p:sld>
+</file>
+
 <file path=ppt/slides/slide3.xml><?xml version="1.0" encoding="utf-8"?>
 <p:sld xmlns:a="http://schemas.openxmlformats.org/drawingml/2006/main" xmlns:r="http://schemas.openxmlformats.org/officeDocument/2006/relationships" xmlns:p="http://schemas.openxmlformats.org/presentationml/2006/main">
   <p:cSld>
@@ -9853,7 +10216,7 @@
           <a:p>
             <a:r>
               <a:rPr lang="en-US" sz="3200" dirty="0"/>
-              <a:t>Causal claims are independent of the math you use; they are fine as long as they are situated with caveats about the nature of the data</a:t>
+              <a:t>Causal claims are independent of the math you use; they are situated with caveats about the nature of the data</a:t>
             </a:r>
           </a:p>
         </p:txBody>
@@ -10336,7 +10699,7 @@
           <a:p>
             <a:r>
               <a:rPr lang="en-US" dirty="0"/>
-              <a:t>Outcome</a:t>
+              <a:t>Variables</a:t>
             </a:r>
           </a:p>
           <a:p>
@@ -10955,6 +11318,57 @@
           </a:prstGeom>
         </p:spPr>
       </p:pic>
+      <mc:AlternateContent xmlns:mc="http://schemas.openxmlformats.org/markup-compatibility/2006">
+        <mc:Choice xmlns:p14="http://schemas.microsoft.com/office/powerpoint/2010/main" Requires="p14">
+          <p:contentPart p14:bwMode="auto" r:id="rId4">
+            <p14:nvContentPartPr>
+              <p14:cNvPr id="3" name="Ink 2">
+                <a:extLst>
+                  <a:ext uri="{FF2B5EF4-FFF2-40B4-BE49-F238E27FC236}">
+                    <a16:creationId xmlns:a16="http://schemas.microsoft.com/office/drawing/2014/main" id="{FBFE18F7-6838-79B3-69C2-D5858DBA7513}"/>
+                  </a:ext>
+                </a:extLst>
+              </p14:cNvPr>
+              <p14:cNvContentPartPr/>
+              <p14:nvPr/>
+            </p14:nvContentPartPr>
+            <p14:xfrm>
+              <a:off x="5118120" y="5556240"/>
+              <a:ext cx="3245040" cy="83160"/>
+            </p14:xfrm>
+          </p:contentPart>
+        </mc:Choice>
+        <mc:Fallback>
+          <p:pic>
+            <p:nvPicPr>
+              <p:cNvPr id="3" name="Ink 2">
+                <a:extLst>
+                  <a:ext uri="{FF2B5EF4-FFF2-40B4-BE49-F238E27FC236}">
+                    <a16:creationId xmlns:a16="http://schemas.microsoft.com/office/drawing/2014/main" id="{FBFE18F7-6838-79B3-69C2-D5858DBA7513}"/>
+                  </a:ext>
+                </a:extLst>
+              </p:cNvPr>
+              <p:cNvPicPr/>
+              <p:nvPr/>
+            </p:nvPicPr>
+            <p:blipFill>
+              <a:blip r:embed="rId5"/>
+              <a:stretch>
+                <a:fillRect/>
+              </a:stretch>
+            </p:blipFill>
+            <p:spPr>
+              <a:xfrm>
+                <a:off x="5108760" y="5546880"/>
+                <a:ext cx="3263760" cy="101880"/>
+              </a:xfrm>
+              <a:prstGeom prst="rect">
+                <a:avLst/>
+              </a:prstGeom>
+            </p:spPr>
+          </p:pic>
+        </mc:Fallback>
+      </mc:AlternateContent>
     </p:spTree>
     <p:extLst>
       <p:ext uri="{BB962C8B-B14F-4D97-AF65-F5344CB8AC3E}">
